--- a/Final Presentation.pptx
+++ b/Final Presentation.pptx
@@ -12,6 +12,20 @@
     <p:sldId id="260" r:id="rId6"/>
     <p:sldId id="261" r:id="rId7"/>
     <p:sldId id="262" r:id="rId8"/>
+    <p:sldId id="263" r:id="rId9"/>
+    <p:sldId id="264" r:id="rId10"/>
+    <p:sldId id="265" r:id="rId11"/>
+    <p:sldId id="266" r:id="rId12"/>
+    <p:sldId id="267" r:id="rId13"/>
+    <p:sldId id="268" r:id="rId14"/>
+    <p:sldId id="269" r:id="rId15"/>
+    <p:sldId id="270" r:id="rId16"/>
+    <p:sldId id="271" r:id="rId17"/>
+    <p:sldId id="272" r:id="rId18"/>
+    <p:sldId id="273" r:id="rId19"/>
+    <p:sldId id="274" r:id="rId20"/>
+    <p:sldId id="275" r:id="rId21"/>
+    <p:sldId id="276" r:id="rId22"/>
   </p:sldIdLst>
   <p:sldSz cx="12192000" cy="6858000"/>
   <p:notesSz cx="6858000" cy="9144000"/>
@@ -121,7 +135,7 @@
 <file path=ppt/revisionInfo.xml><?xml version="1.0" encoding="utf-8"?>
 <p1510:revInfo xmlns:a="http://schemas.openxmlformats.org/drawingml/2006/main" xmlns:r="http://schemas.openxmlformats.org/officeDocument/2006/relationships" xmlns:p1510="http://schemas.microsoft.com/office/powerpoint/2015/10/main">
   <p1510:revLst>
-    <p1510:client id="{8078F757-7E21-4019-8B11-05283F324DC7}" v="12" dt="2025-11-03T17:13:50.250"/>
+    <p1510:client id="{8078F757-7E21-4019-8B11-05283F324DC7}" v="5" dt="2025-11-05T06:09:22.395"/>
   </p1510:revLst>
 </p1510:revInfo>
 </file>
@@ -131,18 +145,18 @@
   <pc:docChgLst>
     <pc:chgData name="Nicholas De Clercq" userId="9c31a129-d0fa-4972-9ded-5cd4a28ff5d8" providerId="ADAL" clId="{4440E78D-6615-47E0-9AC6-B71C33F44C65}"/>
     <pc:docChg chg="undo custSel mod addSld delSld modSld">
-      <pc:chgData name="Nicholas De Clercq" userId="9c31a129-d0fa-4972-9ded-5cd4a28ff5d8" providerId="ADAL" clId="{4440E78D-6615-47E0-9AC6-B71C33F44C65}" dt="2025-11-03T17:18:39.238" v="1061" actId="20577"/>
+      <pc:chgData name="Nicholas De Clercq" userId="9c31a129-d0fa-4972-9ded-5cd4a28ff5d8" providerId="ADAL" clId="{4440E78D-6615-47E0-9AC6-B71C33F44C65}" dt="2025-11-05T06:10:09.482" v="1380" actId="20577"/>
       <pc:docMkLst>
         <pc:docMk/>
       </pc:docMkLst>
       <pc:sldChg chg="modSp new mod">
-        <pc:chgData name="Nicholas De Clercq" userId="9c31a129-d0fa-4972-9ded-5cd4a28ff5d8" providerId="ADAL" clId="{4440E78D-6615-47E0-9AC6-B71C33F44C65}" dt="2025-11-03T16:53:55.416" v="56" actId="20577"/>
+        <pc:chgData name="Nicholas De Clercq" userId="9c31a129-d0fa-4972-9ded-5cd4a28ff5d8" providerId="ADAL" clId="{4440E78D-6615-47E0-9AC6-B71C33F44C65}" dt="2025-11-05T06:10:09.482" v="1380" actId="20577"/>
         <pc:sldMkLst>
           <pc:docMk/>
           <pc:sldMk cId="389394611" sldId="256"/>
         </pc:sldMkLst>
         <pc:spChg chg="mod">
-          <ac:chgData name="Nicholas De Clercq" userId="9c31a129-d0fa-4972-9ded-5cd4a28ff5d8" providerId="ADAL" clId="{4440E78D-6615-47E0-9AC6-B71C33F44C65}" dt="2025-11-03T16:53:46.063" v="32" actId="20577"/>
+          <ac:chgData name="Nicholas De Clercq" userId="9c31a129-d0fa-4972-9ded-5cd4a28ff5d8" providerId="ADAL" clId="{4440E78D-6615-47E0-9AC6-B71C33F44C65}" dt="2025-11-05T06:10:09.482" v="1380" actId="20577"/>
           <ac:spMkLst>
             <pc:docMk/>
             <pc:sldMk cId="389394611" sldId="256"/>
@@ -172,22 +186,6 @@
             <ac:spMk id="2" creationId="{D03A5681-4A00-8D4B-D22A-C2E89FB1A522}"/>
           </ac:spMkLst>
         </pc:spChg>
-        <pc:spChg chg="del">
-          <ac:chgData name="Nicholas De Clercq" userId="9c31a129-d0fa-4972-9ded-5cd4a28ff5d8" providerId="ADAL" clId="{4440E78D-6615-47E0-9AC6-B71C33F44C65}" dt="2025-11-03T17:05:22.243" v="497" actId="22"/>
-          <ac:spMkLst>
-            <pc:docMk/>
-            <pc:sldMk cId="13241881" sldId="257"/>
-            <ac:spMk id="3" creationId="{CA29E78A-CD8D-F352-0660-BC792E031931}"/>
-          </ac:spMkLst>
-        </pc:spChg>
-        <pc:spChg chg="del">
-          <ac:chgData name="Nicholas De Clercq" userId="9c31a129-d0fa-4972-9ded-5cd4a28ff5d8" providerId="ADAL" clId="{4440E78D-6615-47E0-9AC6-B71C33F44C65}" dt="2025-11-03T17:05:37.058" v="498" actId="22"/>
-          <ac:spMkLst>
-            <pc:docMk/>
-            <pc:sldMk cId="13241881" sldId="257"/>
-            <ac:spMk id="4" creationId="{74A1B727-BDF8-9212-E6BD-89909B04ACF3}"/>
-          </ac:spMkLst>
-        </pc:spChg>
         <pc:picChg chg="add mod ord">
           <ac:chgData name="Nicholas De Clercq" userId="9c31a129-d0fa-4972-9ded-5cd4a28ff5d8" providerId="ADAL" clId="{4440E78D-6615-47E0-9AC6-B71C33F44C65}" dt="2025-11-03T17:06:37.265" v="522" actId="1076"/>
           <ac:picMkLst>
@@ -257,22 +255,6 @@
           <pc:docMk/>
           <pc:sldMk cId="1827103838" sldId="260"/>
         </pc:sldMkLst>
-        <pc:spChg chg="del">
-          <ac:chgData name="Nicholas De Clercq" userId="9c31a129-d0fa-4972-9ded-5cd4a28ff5d8" providerId="ADAL" clId="{4440E78D-6615-47E0-9AC6-B71C33F44C65}" dt="2025-11-03T17:07:49.031" v="535" actId="478"/>
-          <ac:spMkLst>
-            <pc:docMk/>
-            <pc:sldMk cId="1827103838" sldId="260"/>
-            <ac:spMk id="2" creationId="{E1C844CC-9416-8537-2F65-EC8D559D4DDF}"/>
-          </ac:spMkLst>
-        </pc:spChg>
-        <pc:spChg chg="del">
-          <ac:chgData name="Nicholas De Clercq" userId="9c31a129-d0fa-4972-9ded-5cd4a28ff5d8" providerId="ADAL" clId="{4440E78D-6615-47E0-9AC6-B71C33F44C65}" dt="2025-11-03T17:07:37.976" v="533" actId="22"/>
-          <ac:spMkLst>
-            <pc:docMk/>
-            <pc:sldMk cId="1827103838" sldId="260"/>
-            <ac:spMk id="3" creationId="{2E49ED47-7358-FCB3-A9B3-6C4BFB5F4BA1}"/>
-          </ac:spMkLst>
-        </pc:spChg>
         <pc:spChg chg="mod">
           <ac:chgData name="Nicholas De Clercq" userId="9c31a129-d0fa-4972-9ded-5cd4a28ff5d8" providerId="ADAL" clId="{4440E78D-6615-47E0-9AC6-B71C33F44C65}" dt="2025-11-03T17:09:35.909" v="885" actId="20577"/>
           <ac:spMkLst>
@@ -338,30 +320,8 @@
           </ac:cxnSpMkLst>
         </pc:cxnChg>
       </pc:sldChg>
-      <pc:sldChg chg="addSp modSp new del mod">
-        <pc:chgData name="Nicholas De Clercq" userId="9c31a129-d0fa-4972-9ded-5cd4a28ff5d8" providerId="ADAL" clId="{4440E78D-6615-47E0-9AC6-B71C33F44C65}" dt="2025-11-03T17:07:21.854" v="529" actId="47"/>
-        <pc:sldMkLst>
-          <pc:docMk/>
-          <pc:sldMk cId="3498824336" sldId="260"/>
-        </pc:sldMkLst>
-        <pc:picChg chg="add mod">
-          <ac:chgData name="Nicholas De Clercq" userId="9c31a129-d0fa-4972-9ded-5cd4a28ff5d8" providerId="ADAL" clId="{4440E78D-6615-47E0-9AC6-B71C33F44C65}" dt="2025-11-03T17:07:19.870" v="528" actId="14100"/>
-          <ac:picMkLst>
-            <pc:docMk/>
-            <pc:sldMk cId="3498824336" sldId="260"/>
-            <ac:picMk id="3" creationId="{7B39AD24-2D31-4C0D-B177-0B2DA77F6D61}"/>
-          </ac:picMkLst>
-        </pc:picChg>
-      </pc:sldChg>
-      <pc:sldChg chg="new del">
-        <pc:chgData name="Nicholas De Clercq" userId="9c31a129-d0fa-4972-9ded-5cd4a28ff5d8" providerId="ADAL" clId="{4440E78D-6615-47E0-9AC6-B71C33F44C65}" dt="2025-11-03T17:07:31.863" v="531" actId="680"/>
-        <pc:sldMkLst>
-          <pc:docMk/>
-          <pc:sldMk cId="3890010430" sldId="260"/>
-        </pc:sldMkLst>
-      </pc:sldChg>
       <pc:sldChg chg="addSp delSp modSp new mod setBg">
-        <pc:chgData name="Nicholas De Clercq" userId="9c31a129-d0fa-4972-9ded-5cd4a28ff5d8" providerId="ADAL" clId="{4440E78D-6615-47E0-9AC6-B71C33F44C65}" dt="2025-11-03T17:16:26.038" v="916" actId="26606"/>
+        <pc:chgData name="Nicholas De Clercq" userId="9c31a129-d0fa-4972-9ded-5cd4a28ff5d8" providerId="ADAL" clId="{4440E78D-6615-47E0-9AC6-B71C33F44C65}" dt="2025-11-05T05:53:41.460" v="1069" actId="1076"/>
         <pc:sldMkLst>
           <pc:docMk/>
           <pc:sldMk cId="1548242637" sldId="261"/>
@@ -374,116 +334,12 @@
             <ac:spMk id="2" creationId="{7B9483A1-B191-8922-4173-35C4708006C6}"/>
           </ac:spMkLst>
         </pc:spChg>
-        <pc:spChg chg="del">
-          <ac:chgData name="Nicholas De Clercq" userId="9c31a129-d0fa-4972-9ded-5cd4a28ff5d8" providerId="ADAL" clId="{4440E78D-6615-47E0-9AC6-B71C33F44C65}" dt="2025-11-03T17:15:58.557" v="907" actId="22"/>
+        <pc:spChg chg="add del mod">
+          <ac:chgData name="Nicholas De Clercq" userId="9c31a129-d0fa-4972-9ded-5cd4a28ff5d8" providerId="ADAL" clId="{4440E78D-6615-47E0-9AC6-B71C33F44C65}" dt="2025-11-05T05:53:35.547" v="1067" actId="22"/>
           <ac:spMkLst>
             <pc:docMk/>
             <pc:sldMk cId="1548242637" sldId="261"/>
-            <ac:spMk id="3" creationId="{6B9F8776-F3D2-D45B-DDC0-7F338A1E6E98}"/>
-          </ac:spMkLst>
-        </pc:spChg>
-        <pc:spChg chg="del">
-          <ac:chgData name="Nicholas De Clercq" userId="9c31a129-d0fa-4972-9ded-5cd4a28ff5d8" providerId="ADAL" clId="{4440E78D-6615-47E0-9AC6-B71C33F44C65}" dt="2025-11-03T17:16:16.200" v="911" actId="22"/>
-          <ac:spMkLst>
-            <pc:docMk/>
-            <pc:sldMk cId="1548242637" sldId="261"/>
-            <ac:spMk id="4" creationId="{2459CAE9-55D2-4C40-5B35-4DB61B159A55}"/>
-          </ac:spMkLst>
-        </pc:spChg>
-        <pc:spChg chg="add del">
-          <ac:chgData name="Nicholas De Clercq" userId="9c31a129-d0fa-4972-9ded-5cd4a28ff5d8" providerId="ADAL" clId="{4440E78D-6615-47E0-9AC6-B71C33F44C65}" dt="2025-11-03T17:16:24.791" v="914" actId="26606"/>
-          <ac:spMkLst>
-            <pc:docMk/>
-            <pc:sldMk cId="1548242637" sldId="261"/>
-            <ac:spMk id="13" creationId="{BB2B8762-61F0-4F1B-9364-D633EE9D6AF5}"/>
-          </ac:spMkLst>
-        </pc:spChg>
-        <pc:spChg chg="add del">
-          <ac:chgData name="Nicholas De Clercq" userId="9c31a129-d0fa-4972-9ded-5cd4a28ff5d8" providerId="ADAL" clId="{4440E78D-6615-47E0-9AC6-B71C33F44C65}" dt="2025-11-03T17:16:24.791" v="914" actId="26606"/>
-          <ac:spMkLst>
-            <pc:docMk/>
-            <pc:sldMk cId="1548242637" sldId="261"/>
-            <ac:spMk id="15" creationId="{E97675C8-1328-460C-9EBF-6B446B67EAD3}"/>
-          </ac:spMkLst>
-        </pc:spChg>
-        <pc:spChg chg="add del">
-          <ac:chgData name="Nicholas De Clercq" userId="9c31a129-d0fa-4972-9ded-5cd4a28ff5d8" providerId="ADAL" clId="{4440E78D-6615-47E0-9AC6-B71C33F44C65}" dt="2025-11-03T17:16:24.791" v="914" actId="26606"/>
-          <ac:spMkLst>
-            <pc:docMk/>
-            <pc:sldMk cId="1548242637" sldId="261"/>
-            <ac:spMk id="19" creationId="{2AD83CFE-1CA3-4832-A4B9-C48CD1347C03}"/>
-          </ac:spMkLst>
-        </pc:spChg>
-        <pc:spChg chg="add del">
-          <ac:chgData name="Nicholas De Clercq" userId="9c31a129-d0fa-4972-9ded-5cd4a28ff5d8" providerId="ADAL" clId="{4440E78D-6615-47E0-9AC6-B71C33F44C65}" dt="2025-11-03T17:16:24.791" v="914" actId="26606"/>
-          <ac:spMkLst>
-            <pc:docMk/>
-            <pc:sldMk cId="1548242637" sldId="261"/>
-            <ac:spMk id="21" creationId="{BC98641C-7F74-435D-996F-A4387A3C3C26}"/>
-          </ac:spMkLst>
-        </pc:spChg>
-        <pc:spChg chg="add del">
-          <ac:chgData name="Nicholas De Clercq" userId="9c31a129-d0fa-4972-9ded-5cd4a28ff5d8" providerId="ADAL" clId="{4440E78D-6615-47E0-9AC6-B71C33F44C65}" dt="2025-11-03T17:16:24.791" v="914" actId="26606"/>
-          <ac:spMkLst>
-            <pc:docMk/>
-            <pc:sldMk cId="1548242637" sldId="261"/>
-            <ac:spMk id="23" creationId="{F530C0F6-C8DF-4539-B30C-8105DB618C20}"/>
-          </ac:spMkLst>
-        </pc:spChg>
-        <pc:spChg chg="add del">
-          <ac:chgData name="Nicholas De Clercq" userId="9c31a129-d0fa-4972-9ded-5cd4a28ff5d8" providerId="ADAL" clId="{4440E78D-6615-47E0-9AC6-B71C33F44C65}" dt="2025-11-03T17:16:24.791" v="914" actId="26606"/>
-          <ac:spMkLst>
-            <pc:docMk/>
-            <pc:sldMk cId="1548242637" sldId="261"/>
-            <ac:spMk id="25" creationId="{BAE51241-AA8B-4B82-9C59-6738DB85674C}"/>
-          </ac:spMkLst>
-        </pc:spChg>
-        <pc:spChg chg="add del">
-          <ac:chgData name="Nicholas De Clercq" userId="9c31a129-d0fa-4972-9ded-5cd4a28ff5d8" providerId="ADAL" clId="{4440E78D-6615-47E0-9AC6-B71C33F44C65}" dt="2025-11-03T17:16:26.038" v="916" actId="26606"/>
-          <ac:spMkLst>
-            <pc:docMk/>
-            <pc:sldMk cId="1548242637" sldId="261"/>
-            <ac:spMk id="27" creationId="{07BDDC51-8BB2-42BE-8EA8-39B3E9AC1EF6}"/>
-          </ac:spMkLst>
-        </pc:spChg>
-        <pc:spChg chg="add del">
-          <ac:chgData name="Nicholas De Clercq" userId="9c31a129-d0fa-4972-9ded-5cd4a28ff5d8" providerId="ADAL" clId="{4440E78D-6615-47E0-9AC6-B71C33F44C65}" dt="2025-11-03T17:16:26.038" v="916" actId="26606"/>
-          <ac:spMkLst>
-            <pc:docMk/>
-            <pc:sldMk cId="1548242637" sldId="261"/>
-            <ac:spMk id="28" creationId="{BB2B8762-61F0-4F1B-9364-D633EE9D6AF5}"/>
-          </ac:spMkLst>
-        </pc:spChg>
-        <pc:spChg chg="add del">
-          <ac:chgData name="Nicholas De Clercq" userId="9c31a129-d0fa-4972-9ded-5cd4a28ff5d8" providerId="ADAL" clId="{4440E78D-6615-47E0-9AC6-B71C33F44C65}" dt="2025-11-03T17:16:26.038" v="916" actId="26606"/>
-          <ac:spMkLst>
-            <pc:docMk/>
-            <pc:sldMk cId="1548242637" sldId="261"/>
-            <ac:spMk id="29" creationId="{E97675C8-1328-460C-9EBF-6B446B67EAD3}"/>
-          </ac:spMkLst>
-        </pc:spChg>
-        <pc:spChg chg="add del">
-          <ac:chgData name="Nicholas De Clercq" userId="9c31a129-d0fa-4972-9ded-5cd4a28ff5d8" providerId="ADAL" clId="{4440E78D-6615-47E0-9AC6-B71C33F44C65}" dt="2025-11-03T17:16:26.038" v="916" actId="26606"/>
-          <ac:spMkLst>
-            <pc:docMk/>
-            <pc:sldMk cId="1548242637" sldId="261"/>
-            <ac:spMk id="31" creationId="{C6417104-D4C1-4710-9982-2154A7F48492}"/>
-          </ac:spMkLst>
-        </pc:spChg>
-        <pc:spChg chg="add del">
-          <ac:chgData name="Nicholas De Clercq" userId="9c31a129-d0fa-4972-9ded-5cd4a28ff5d8" providerId="ADAL" clId="{4440E78D-6615-47E0-9AC6-B71C33F44C65}" dt="2025-11-03T17:16:26.038" v="916" actId="26606"/>
-          <ac:spMkLst>
-            <pc:docMk/>
-            <pc:sldMk cId="1548242637" sldId="261"/>
-            <ac:spMk id="32" creationId="{626F1402-2DEC-4071-84AF-350C7BF00D43}"/>
-          </ac:spMkLst>
-        </pc:spChg>
-        <pc:spChg chg="add del">
-          <ac:chgData name="Nicholas De Clercq" userId="9c31a129-d0fa-4972-9ded-5cd4a28ff5d8" providerId="ADAL" clId="{4440E78D-6615-47E0-9AC6-B71C33F44C65}" dt="2025-11-03T17:16:26.038" v="916" actId="26606"/>
-          <ac:spMkLst>
-            <pc:docMk/>
-            <pc:sldMk cId="1548242637" sldId="261"/>
-            <ac:spMk id="34" creationId="{DA52A394-10F4-4AA5-90E4-634D1E919DBA}"/>
+            <ac:spMk id="4" creationId="{0EEA303E-5429-53EF-B8A9-7F0F8C3DC15A}"/>
           </ac:spMkLst>
         </pc:spChg>
         <pc:picChg chg="add mod ord">
@@ -494,30 +350,30 @@
             <ac:picMk id="6" creationId="{D0A1D0BC-DE61-3E3A-6EB8-B1B64F32DDD0}"/>
           </ac:picMkLst>
         </pc:picChg>
-        <pc:picChg chg="add mod ord">
-          <ac:chgData name="Nicholas De Clercq" userId="9c31a129-d0fa-4972-9ded-5cd4a28ff5d8" providerId="ADAL" clId="{4440E78D-6615-47E0-9AC6-B71C33F44C65}" dt="2025-11-03T17:16:26.038" v="916" actId="26606"/>
+        <pc:picChg chg="add del mod">
+          <ac:chgData name="Nicholas De Clercq" userId="9c31a129-d0fa-4972-9ded-5cd4a28ff5d8" providerId="ADAL" clId="{4440E78D-6615-47E0-9AC6-B71C33F44C65}" dt="2025-11-05T05:53:34.130" v="1066" actId="478"/>
+          <ac:picMkLst>
+            <pc:docMk/>
+            <pc:sldMk cId="1548242637" sldId="261"/>
+            <ac:picMk id="7" creationId="{C69F4B35-A21F-81EB-9838-44D30777504D}"/>
+          </ac:picMkLst>
+        </pc:picChg>
+        <pc:picChg chg="add del mod ord">
+          <ac:chgData name="Nicholas De Clercq" userId="9c31a129-d0fa-4972-9ded-5cd4a28ff5d8" providerId="ADAL" clId="{4440E78D-6615-47E0-9AC6-B71C33F44C65}" dt="2025-11-05T05:53:27.481" v="1062" actId="478"/>
           <ac:picMkLst>
             <pc:docMk/>
             <pc:sldMk cId="1548242637" sldId="261"/>
             <ac:picMk id="8" creationId="{69A47AAC-5676-793F-0C76-EC846EB3D4F9}"/>
           </ac:picMkLst>
         </pc:picChg>
-        <pc:cxnChg chg="add del">
-          <ac:chgData name="Nicholas De Clercq" userId="9c31a129-d0fa-4972-9ded-5cd4a28ff5d8" providerId="ADAL" clId="{4440E78D-6615-47E0-9AC6-B71C33F44C65}" dt="2025-11-03T17:16:24.791" v="914" actId="26606"/>
-          <ac:cxnSpMkLst>
+        <pc:picChg chg="add mod ord">
+          <ac:chgData name="Nicholas De Clercq" userId="9c31a129-d0fa-4972-9ded-5cd4a28ff5d8" providerId="ADAL" clId="{4440E78D-6615-47E0-9AC6-B71C33F44C65}" dt="2025-11-05T05:53:41.460" v="1069" actId="1076"/>
+          <ac:picMkLst>
             <pc:docMk/>
             <pc:sldMk cId="1548242637" sldId="261"/>
-            <ac:cxnSpMk id="17" creationId="{514EE78B-AF71-4195-A01B-F1165D9233BF}"/>
-          </ac:cxnSpMkLst>
-        </pc:cxnChg>
-        <pc:cxnChg chg="add del">
-          <ac:chgData name="Nicholas De Clercq" userId="9c31a129-d0fa-4972-9ded-5cd4a28ff5d8" providerId="ADAL" clId="{4440E78D-6615-47E0-9AC6-B71C33F44C65}" dt="2025-11-03T17:16:26.038" v="916" actId="26606"/>
-          <ac:cxnSpMkLst>
-            <pc:docMk/>
-            <pc:sldMk cId="1548242637" sldId="261"/>
-            <ac:cxnSpMk id="33" creationId="{04733B62-1719-4677-A612-CA0AC0AD7482}"/>
-          </ac:cxnSpMkLst>
-        </pc:cxnChg>
+            <ac:picMk id="10" creationId="{2F441437-FBCA-8A31-10AC-F5657502C1AE}"/>
+          </ac:picMkLst>
+        </pc:picChg>
       </pc:sldChg>
       <pc:sldChg chg="addSp delSp modSp new mod">
         <pc:chgData name="Nicholas De Clercq" userId="9c31a129-d0fa-4972-9ded-5cd4a28ff5d8" providerId="ADAL" clId="{4440E78D-6615-47E0-9AC6-B71C33F44C65}" dt="2025-11-03T17:18:39.238" v="1061" actId="20577"/>
@@ -525,22 +381,6 @@
           <pc:docMk/>
           <pc:sldMk cId="571138243" sldId="262"/>
         </pc:sldMkLst>
-        <pc:spChg chg="del">
-          <ac:chgData name="Nicholas De Clercq" userId="9c31a129-d0fa-4972-9ded-5cd4a28ff5d8" providerId="ADAL" clId="{4440E78D-6615-47E0-9AC6-B71C33F44C65}" dt="2025-11-03T17:16:53.581" v="920" actId="478"/>
-          <ac:spMkLst>
-            <pc:docMk/>
-            <pc:sldMk cId="571138243" sldId="262"/>
-            <ac:spMk id="2" creationId="{B711CFB2-D77D-EEB1-6CDF-6BC20B002123}"/>
-          </ac:spMkLst>
-        </pc:spChg>
-        <pc:spChg chg="del">
-          <ac:chgData name="Nicholas De Clercq" userId="9c31a129-d0fa-4972-9ded-5cd4a28ff5d8" providerId="ADAL" clId="{4440E78D-6615-47E0-9AC6-B71C33F44C65}" dt="2025-11-03T17:16:48.241" v="918" actId="22"/>
-          <ac:spMkLst>
-            <pc:docMk/>
-            <pc:sldMk cId="571138243" sldId="262"/>
-            <ac:spMk id="3" creationId="{E2581F54-44B7-2B71-B39E-CBFA7BCE1EFA}"/>
-          </ac:spMkLst>
-        </pc:spChg>
         <pc:spChg chg="mod">
           <ac:chgData name="Nicholas De Clercq" userId="9c31a129-d0fa-4972-9ded-5cd4a28ff5d8" providerId="ADAL" clId="{4440E78D-6615-47E0-9AC6-B71C33F44C65}" dt="2025-11-03T17:18:39.238" v="1061" actId="20577"/>
           <ac:spMkLst>
@@ -557,6 +397,632 @@
             <ac:picMk id="6" creationId="{FCAD4DDB-7C32-592E-5382-CD6544C6904D}"/>
           </ac:picMkLst>
         </pc:picChg>
+      </pc:sldChg>
+      <pc:sldChg chg="addSp delSp modSp new mod">
+        <pc:chgData name="Nicholas De Clercq" userId="9c31a129-d0fa-4972-9ded-5cd4a28ff5d8" providerId="ADAL" clId="{4440E78D-6615-47E0-9AC6-B71C33F44C65}" dt="2025-11-05T05:54:46.420" v="1097" actId="22"/>
+        <pc:sldMkLst>
+          <pc:docMk/>
+          <pc:sldMk cId="2548482477" sldId="263"/>
+        </pc:sldMkLst>
+        <pc:spChg chg="mod">
+          <ac:chgData name="Nicholas De Clercq" userId="9c31a129-d0fa-4972-9ded-5cd4a28ff5d8" providerId="ADAL" clId="{4440E78D-6615-47E0-9AC6-B71C33F44C65}" dt="2025-11-05T05:54:14.146" v="1095" actId="20577"/>
+          <ac:spMkLst>
+            <pc:docMk/>
+            <pc:sldMk cId="2548482477" sldId="263"/>
+            <ac:spMk id="2" creationId="{58B74D6A-5C77-90E8-5F4E-F68B6ECAA681}"/>
+          </ac:spMkLst>
+        </pc:spChg>
+        <pc:spChg chg="del">
+          <ac:chgData name="Nicholas De Clercq" userId="9c31a129-d0fa-4972-9ded-5cd4a28ff5d8" providerId="ADAL" clId="{4440E78D-6615-47E0-9AC6-B71C33F44C65}" dt="2025-11-05T05:54:36.482" v="1096" actId="22"/>
+          <ac:spMkLst>
+            <pc:docMk/>
+            <pc:sldMk cId="2548482477" sldId="263"/>
+            <ac:spMk id="3" creationId="{9BB331C1-DA41-211A-B257-3653CB6B31B7}"/>
+          </ac:spMkLst>
+        </pc:spChg>
+        <pc:spChg chg="del">
+          <ac:chgData name="Nicholas De Clercq" userId="9c31a129-d0fa-4972-9ded-5cd4a28ff5d8" providerId="ADAL" clId="{4440E78D-6615-47E0-9AC6-B71C33F44C65}" dt="2025-11-05T05:54:46.420" v="1097" actId="22"/>
+          <ac:spMkLst>
+            <pc:docMk/>
+            <pc:sldMk cId="2548482477" sldId="263"/>
+            <ac:spMk id="4" creationId="{F96FE928-DBA0-E4CC-E857-690A13BB5916}"/>
+          </ac:spMkLst>
+        </pc:spChg>
+        <pc:picChg chg="add mod ord">
+          <ac:chgData name="Nicholas De Clercq" userId="9c31a129-d0fa-4972-9ded-5cd4a28ff5d8" providerId="ADAL" clId="{4440E78D-6615-47E0-9AC6-B71C33F44C65}" dt="2025-11-05T05:54:36.482" v="1096" actId="22"/>
+          <ac:picMkLst>
+            <pc:docMk/>
+            <pc:sldMk cId="2548482477" sldId="263"/>
+            <ac:picMk id="6" creationId="{00F47882-6A55-1F4A-240E-7049496967E6}"/>
+          </ac:picMkLst>
+        </pc:picChg>
+        <pc:picChg chg="add mod ord">
+          <ac:chgData name="Nicholas De Clercq" userId="9c31a129-d0fa-4972-9ded-5cd4a28ff5d8" providerId="ADAL" clId="{4440E78D-6615-47E0-9AC6-B71C33F44C65}" dt="2025-11-05T05:54:46.420" v="1097" actId="22"/>
+          <ac:picMkLst>
+            <pc:docMk/>
+            <pc:sldMk cId="2548482477" sldId="263"/>
+            <ac:picMk id="8" creationId="{C624AA0A-98D3-5D7B-34ED-0F0C043785EB}"/>
+          </ac:picMkLst>
+        </pc:picChg>
+      </pc:sldChg>
+      <pc:sldChg chg="addSp delSp modSp new mod">
+        <pc:chgData name="Nicholas De Clercq" userId="9c31a129-d0fa-4972-9ded-5cd4a28ff5d8" providerId="ADAL" clId="{4440E78D-6615-47E0-9AC6-B71C33F44C65}" dt="2025-11-05T05:55:31.134" v="1107" actId="20577"/>
+        <pc:sldMkLst>
+          <pc:docMk/>
+          <pc:sldMk cId="1380564717" sldId="264"/>
+        </pc:sldMkLst>
+        <pc:spChg chg="del">
+          <ac:chgData name="Nicholas De Clercq" userId="9c31a129-d0fa-4972-9ded-5cd4a28ff5d8" providerId="ADAL" clId="{4440E78D-6615-47E0-9AC6-B71C33F44C65}" dt="2025-11-05T05:55:15.708" v="1100" actId="478"/>
+          <ac:spMkLst>
+            <pc:docMk/>
+            <pc:sldMk cId="1380564717" sldId="264"/>
+            <ac:spMk id="2" creationId="{C796F4AD-BC45-E8B1-4C14-3F0CE9B9D487}"/>
+          </ac:spMkLst>
+        </pc:spChg>
+        <pc:spChg chg="del">
+          <ac:chgData name="Nicholas De Clercq" userId="9c31a129-d0fa-4972-9ded-5cd4a28ff5d8" providerId="ADAL" clId="{4440E78D-6615-47E0-9AC6-B71C33F44C65}" dt="2025-11-05T05:55:11.750" v="1099" actId="22"/>
+          <ac:spMkLst>
+            <pc:docMk/>
+            <pc:sldMk cId="1380564717" sldId="264"/>
+            <ac:spMk id="3" creationId="{67B590EE-CC2B-5B70-187C-775EE1555E62}"/>
+          </ac:spMkLst>
+        </pc:spChg>
+        <pc:spChg chg="mod">
+          <ac:chgData name="Nicholas De Clercq" userId="9c31a129-d0fa-4972-9ded-5cd4a28ff5d8" providerId="ADAL" clId="{4440E78D-6615-47E0-9AC6-B71C33F44C65}" dt="2025-11-05T05:55:31.134" v="1107" actId="20577"/>
+          <ac:spMkLst>
+            <pc:docMk/>
+            <pc:sldMk cId="1380564717" sldId="264"/>
+            <ac:spMk id="4" creationId="{0C85C6CE-3B84-ACB6-EDD4-8099747B7AF2}"/>
+          </ac:spMkLst>
+        </pc:spChg>
+        <pc:picChg chg="add mod ord">
+          <ac:chgData name="Nicholas De Clercq" userId="9c31a129-d0fa-4972-9ded-5cd4a28ff5d8" providerId="ADAL" clId="{4440E78D-6615-47E0-9AC6-B71C33F44C65}" dt="2025-11-05T05:55:11.750" v="1099" actId="22"/>
+          <ac:picMkLst>
+            <pc:docMk/>
+            <pc:sldMk cId="1380564717" sldId="264"/>
+            <ac:picMk id="6" creationId="{01C3FA43-2417-3CFF-4EB8-FBD1F19C52AF}"/>
+          </ac:picMkLst>
+        </pc:picChg>
+      </pc:sldChg>
+      <pc:sldChg chg="addSp delSp modSp new mod">
+        <pc:chgData name="Nicholas De Clercq" userId="9c31a129-d0fa-4972-9ded-5cd4a28ff5d8" providerId="ADAL" clId="{4440E78D-6615-47E0-9AC6-B71C33F44C65}" dt="2025-11-05T05:59:54.154" v="1129" actId="22"/>
+        <pc:sldMkLst>
+          <pc:docMk/>
+          <pc:sldMk cId="533887787" sldId="265"/>
+        </pc:sldMkLst>
+        <pc:spChg chg="mod">
+          <ac:chgData name="Nicholas De Clercq" userId="9c31a129-d0fa-4972-9ded-5cd4a28ff5d8" providerId="ADAL" clId="{4440E78D-6615-47E0-9AC6-B71C33F44C65}" dt="2025-11-05T05:59:27.303" v="1127" actId="20577"/>
+          <ac:spMkLst>
+            <pc:docMk/>
+            <pc:sldMk cId="533887787" sldId="265"/>
+            <ac:spMk id="2" creationId="{C5ECB41F-B455-3EB6-D27F-F331F1A266A3}"/>
+          </ac:spMkLst>
+        </pc:spChg>
+        <pc:spChg chg="del">
+          <ac:chgData name="Nicholas De Clercq" userId="9c31a129-d0fa-4972-9ded-5cd4a28ff5d8" providerId="ADAL" clId="{4440E78D-6615-47E0-9AC6-B71C33F44C65}" dt="2025-11-05T05:59:42.463" v="1128" actId="22"/>
+          <ac:spMkLst>
+            <pc:docMk/>
+            <pc:sldMk cId="533887787" sldId="265"/>
+            <ac:spMk id="3" creationId="{8AD54FFF-09E6-FB1E-6AC5-1096BF2B1AF6}"/>
+          </ac:spMkLst>
+        </pc:spChg>
+        <pc:spChg chg="del">
+          <ac:chgData name="Nicholas De Clercq" userId="9c31a129-d0fa-4972-9ded-5cd4a28ff5d8" providerId="ADAL" clId="{4440E78D-6615-47E0-9AC6-B71C33F44C65}" dt="2025-11-05T05:59:54.154" v="1129" actId="22"/>
+          <ac:spMkLst>
+            <pc:docMk/>
+            <pc:sldMk cId="533887787" sldId="265"/>
+            <ac:spMk id="4" creationId="{91724270-DF54-AD29-8B28-93FFAE6E38DF}"/>
+          </ac:spMkLst>
+        </pc:spChg>
+        <pc:picChg chg="add mod ord">
+          <ac:chgData name="Nicholas De Clercq" userId="9c31a129-d0fa-4972-9ded-5cd4a28ff5d8" providerId="ADAL" clId="{4440E78D-6615-47E0-9AC6-B71C33F44C65}" dt="2025-11-05T05:59:42.463" v="1128" actId="22"/>
+          <ac:picMkLst>
+            <pc:docMk/>
+            <pc:sldMk cId="533887787" sldId="265"/>
+            <ac:picMk id="6" creationId="{FFB35E5E-C79A-986C-8F18-A1F7721AEAAA}"/>
+          </ac:picMkLst>
+        </pc:picChg>
+        <pc:picChg chg="add mod ord">
+          <ac:chgData name="Nicholas De Clercq" userId="9c31a129-d0fa-4972-9ded-5cd4a28ff5d8" providerId="ADAL" clId="{4440E78D-6615-47E0-9AC6-B71C33F44C65}" dt="2025-11-05T05:59:54.154" v="1129" actId="22"/>
+          <ac:picMkLst>
+            <pc:docMk/>
+            <pc:sldMk cId="533887787" sldId="265"/>
+            <ac:picMk id="8" creationId="{08115A60-DF41-DBC5-A472-3DC353361CE7}"/>
+          </ac:picMkLst>
+        </pc:picChg>
+      </pc:sldChg>
+      <pc:sldChg chg="addSp delSp modSp new mod">
+        <pc:chgData name="Nicholas De Clercq" userId="9c31a129-d0fa-4972-9ded-5cd4a28ff5d8" providerId="ADAL" clId="{4440E78D-6615-47E0-9AC6-B71C33F44C65}" dt="2025-11-05T06:00:51.946" v="1151" actId="14100"/>
+        <pc:sldMkLst>
+          <pc:docMk/>
+          <pc:sldMk cId="1877585268" sldId="266"/>
+        </pc:sldMkLst>
+        <pc:spChg chg="mod">
+          <ac:chgData name="Nicholas De Clercq" userId="9c31a129-d0fa-4972-9ded-5cd4a28ff5d8" providerId="ADAL" clId="{4440E78D-6615-47E0-9AC6-B71C33F44C65}" dt="2025-11-05T06:00:25.278" v="1148" actId="20577"/>
+          <ac:spMkLst>
+            <pc:docMk/>
+            <pc:sldMk cId="1877585268" sldId="266"/>
+            <ac:spMk id="2" creationId="{243A9696-BF42-C1C3-52C2-B433F5324C46}"/>
+          </ac:spMkLst>
+        </pc:spChg>
+        <pc:spChg chg="del">
+          <ac:chgData name="Nicholas De Clercq" userId="9c31a129-d0fa-4972-9ded-5cd4a28ff5d8" providerId="ADAL" clId="{4440E78D-6615-47E0-9AC6-B71C33F44C65}" dt="2025-11-05T06:00:36.143" v="1149" actId="22"/>
+          <ac:spMkLst>
+            <pc:docMk/>
+            <pc:sldMk cId="1877585268" sldId="266"/>
+            <ac:spMk id="3" creationId="{A4819E01-66B5-8C03-81FF-C97C7DCB9F8D}"/>
+          </ac:spMkLst>
+        </pc:spChg>
+        <pc:spChg chg="del">
+          <ac:chgData name="Nicholas De Clercq" userId="9c31a129-d0fa-4972-9ded-5cd4a28ff5d8" providerId="ADAL" clId="{4440E78D-6615-47E0-9AC6-B71C33F44C65}" dt="2025-11-05T06:00:48.115" v="1150" actId="22"/>
+          <ac:spMkLst>
+            <pc:docMk/>
+            <pc:sldMk cId="1877585268" sldId="266"/>
+            <ac:spMk id="4" creationId="{6D1BC131-41F4-B116-1057-54A04A247390}"/>
+          </ac:spMkLst>
+        </pc:spChg>
+        <pc:picChg chg="add mod ord">
+          <ac:chgData name="Nicholas De Clercq" userId="9c31a129-d0fa-4972-9ded-5cd4a28ff5d8" providerId="ADAL" clId="{4440E78D-6615-47E0-9AC6-B71C33F44C65}" dt="2025-11-05T06:00:36.143" v="1149" actId="22"/>
+          <ac:picMkLst>
+            <pc:docMk/>
+            <pc:sldMk cId="1877585268" sldId="266"/>
+            <ac:picMk id="6" creationId="{4198C6BC-8B04-6844-A098-1EECFEA72C50}"/>
+          </ac:picMkLst>
+        </pc:picChg>
+        <pc:picChg chg="add mod ord">
+          <ac:chgData name="Nicholas De Clercq" userId="9c31a129-d0fa-4972-9ded-5cd4a28ff5d8" providerId="ADAL" clId="{4440E78D-6615-47E0-9AC6-B71C33F44C65}" dt="2025-11-05T06:00:51.946" v="1151" actId="14100"/>
+          <ac:picMkLst>
+            <pc:docMk/>
+            <pc:sldMk cId="1877585268" sldId="266"/>
+            <ac:picMk id="8" creationId="{D54FC1E3-829A-CCC4-48CD-B2A9F3434F34}"/>
+          </ac:picMkLst>
+        </pc:picChg>
+      </pc:sldChg>
+      <pc:sldChg chg="addSp delSp modSp new mod">
+        <pc:chgData name="Nicholas De Clercq" userId="9c31a129-d0fa-4972-9ded-5cd4a28ff5d8" providerId="ADAL" clId="{4440E78D-6615-47E0-9AC6-B71C33F44C65}" dt="2025-11-05T06:01:43.991" v="1175" actId="22"/>
+        <pc:sldMkLst>
+          <pc:docMk/>
+          <pc:sldMk cId="1152386245" sldId="267"/>
+        </pc:sldMkLst>
+        <pc:spChg chg="mod">
+          <ac:chgData name="Nicholas De Clercq" userId="9c31a129-d0fa-4972-9ded-5cd4a28ff5d8" providerId="ADAL" clId="{4440E78D-6615-47E0-9AC6-B71C33F44C65}" dt="2025-11-05T06:01:27.160" v="1173" actId="20577"/>
+          <ac:spMkLst>
+            <pc:docMk/>
+            <pc:sldMk cId="1152386245" sldId="267"/>
+            <ac:spMk id="2" creationId="{2563CC05-F8D0-2D3A-79C2-CF4563ABD449}"/>
+          </ac:spMkLst>
+        </pc:spChg>
+        <pc:spChg chg="del">
+          <ac:chgData name="Nicholas De Clercq" userId="9c31a129-d0fa-4972-9ded-5cd4a28ff5d8" providerId="ADAL" clId="{4440E78D-6615-47E0-9AC6-B71C33F44C65}" dt="2025-11-05T06:01:36.304" v="1174" actId="22"/>
+          <ac:spMkLst>
+            <pc:docMk/>
+            <pc:sldMk cId="1152386245" sldId="267"/>
+            <ac:spMk id="3" creationId="{83384744-A4E2-576F-6B0C-8F78948727F0}"/>
+          </ac:spMkLst>
+        </pc:spChg>
+        <pc:spChg chg="del">
+          <ac:chgData name="Nicholas De Clercq" userId="9c31a129-d0fa-4972-9ded-5cd4a28ff5d8" providerId="ADAL" clId="{4440E78D-6615-47E0-9AC6-B71C33F44C65}" dt="2025-11-05T06:01:43.991" v="1175" actId="22"/>
+          <ac:spMkLst>
+            <pc:docMk/>
+            <pc:sldMk cId="1152386245" sldId="267"/>
+            <ac:spMk id="4" creationId="{BEFFFF94-D5E4-3E44-B558-61EE705DDE1D}"/>
+          </ac:spMkLst>
+        </pc:spChg>
+        <pc:picChg chg="add mod ord">
+          <ac:chgData name="Nicholas De Clercq" userId="9c31a129-d0fa-4972-9ded-5cd4a28ff5d8" providerId="ADAL" clId="{4440E78D-6615-47E0-9AC6-B71C33F44C65}" dt="2025-11-05T06:01:36.304" v="1174" actId="22"/>
+          <ac:picMkLst>
+            <pc:docMk/>
+            <pc:sldMk cId="1152386245" sldId="267"/>
+            <ac:picMk id="6" creationId="{8887EA35-8BA7-1922-3041-CFA6EBA93B41}"/>
+          </ac:picMkLst>
+        </pc:picChg>
+        <pc:picChg chg="add mod ord">
+          <ac:chgData name="Nicholas De Clercq" userId="9c31a129-d0fa-4972-9ded-5cd4a28ff5d8" providerId="ADAL" clId="{4440E78D-6615-47E0-9AC6-B71C33F44C65}" dt="2025-11-05T06:01:43.991" v="1175" actId="22"/>
+          <ac:picMkLst>
+            <pc:docMk/>
+            <pc:sldMk cId="1152386245" sldId="267"/>
+            <ac:picMk id="8" creationId="{D7256F1D-3122-170E-0A78-39C57A61911B}"/>
+          </ac:picMkLst>
+        </pc:picChg>
+      </pc:sldChg>
+      <pc:sldChg chg="addSp delSp modSp new mod">
+        <pc:chgData name="Nicholas De Clercq" userId="9c31a129-d0fa-4972-9ded-5cd4a28ff5d8" providerId="ADAL" clId="{4440E78D-6615-47E0-9AC6-B71C33F44C65}" dt="2025-11-05T06:02:21.729" v="1198" actId="14100"/>
+        <pc:sldMkLst>
+          <pc:docMk/>
+          <pc:sldMk cId="1951674299" sldId="268"/>
+        </pc:sldMkLst>
+        <pc:spChg chg="mod">
+          <ac:chgData name="Nicholas De Clercq" userId="9c31a129-d0fa-4972-9ded-5cd4a28ff5d8" providerId="ADAL" clId="{4440E78D-6615-47E0-9AC6-B71C33F44C65}" dt="2025-11-05T06:01:57.759" v="1195" actId="20577"/>
+          <ac:spMkLst>
+            <pc:docMk/>
+            <pc:sldMk cId="1951674299" sldId="268"/>
+            <ac:spMk id="2" creationId="{0A181801-0B45-C30E-422D-2BB9D4A356C6}"/>
+          </ac:spMkLst>
+        </pc:spChg>
+        <pc:spChg chg="del">
+          <ac:chgData name="Nicholas De Clercq" userId="9c31a129-d0fa-4972-9ded-5cd4a28ff5d8" providerId="ADAL" clId="{4440E78D-6615-47E0-9AC6-B71C33F44C65}" dt="2025-11-05T06:02:07.996" v="1196" actId="22"/>
+          <ac:spMkLst>
+            <pc:docMk/>
+            <pc:sldMk cId="1951674299" sldId="268"/>
+            <ac:spMk id="3" creationId="{7F5990BC-8E6F-86BB-EB1F-F0D4B681F35A}"/>
+          </ac:spMkLst>
+        </pc:spChg>
+        <pc:spChg chg="del">
+          <ac:chgData name="Nicholas De Clercq" userId="9c31a129-d0fa-4972-9ded-5cd4a28ff5d8" providerId="ADAL" clId="{4440E78D-6615-47E0-9AC6-B71C33F44C65}" dt="2025-11-05T06:02:17.109" v="1197" actId="22"/>
+          <ac:spMkLst>
+            <pc:docMk/>
+            <pc:sldMk cId="1951674299" sldId="268"/>
+            <ac:spMk id="4" creationId="{29CE546F-6982-F199-BCC6-796AAD5ED53F}"/>
+          </ac:spMkLst>
+        </pc:spChg>
+        <pc:picChg chg="add mod ord">
+          <ac:chgData name="Nicholas De Clercq" userId="9c31a129-d0fa-4972-9ded-5cd4a28ff5d8" providerId="ADAL" clId="{4440E78D-6615-47E0-9AC6-B71C33F44C65}" dt="2025-11-05T06:02:07.996" v="1196" actId="22"/>
+          <ac:picMkLst>
+            <pc:docMk/>
+            <pc:sldMk cId="1951674299" sldId="268"/>
+            <ac:picMk id="6" creationId="{E5FF1AD6-36A8-492C-5DDC-F09DDA3564E5}"/>
+          </ac:picMkLst>
+        </pc:picChg>
+        <pc:picChg chg="add mod ord">
+          <ac:chgData name="Nicholas De Clercq" userId="9c31a129-d0fa-4972-9ded-5cd4a28ff5d8" providerId="ADAL" clId="{4440E78D-6615-47E0-9AC6-B71C33F44C65}" dt="2025-11-05T06:02:21.729" v="1198" actId="14100"/>
+          <ac:picMkLst>
+            <pc:docMk/>
+            <pc:sldMk cId="1951674299" sldId="268"/>
+            <ac:picMk id="8" creationId="{8547F2A7-D047-787D-0F31-7F4D7B6879A8}"/>
+          </ac:picMkLst>
+        </pc:picChg>
+      </pc:sldChg>
+      <pc:sldChg chg="modSp new mod">
+        <pc:chgData name="Nicholas De Clercq" userId="9c31a129-d0fa-4972-9ded-5cd4a28ff5d8" providerId="ADAL" clId="{4440E78D-6615-47E0-9AC6-B71C33F44C65}" dt="2025-11-05T06:03:29.344" v="1248" actId="313"/>
+        <pc:sldMkLst>
+          <pc:docMk/>
+          <pc:sldMk cId="2714545853" sldId="269"/>
+        </pc:sldMkLst>
+        <pc:spChg chg="mod">
+          <ac:chgData name="Nicholas De Clercq" userId="9c31a129-d0fa-4972-9ded-5cd4a28ff5d8" providerId="ADAL" clId="{4440E78D-6615-47E0-9AC6-B71C33F44C65}" dt="2025-11-05T06:02:53.495" v="1244" actId="20577"/>
+          <ac:spMkLst>
+            <pc:docMk/>
+            <pc:sldMk cId="2714545853" sldId="269"/>
+            <ac:spMk id="2" creationId="{6F7F9A01-EC68-5AF0-F6CE-C2671DBD29B2}"/>
+          </ac:spMkLst>
+        </pc:spChg>
+        <pc:spChg chg="mod">
+          <ac:chgData name="Nicholas De Clercq" userId="9c31a129-d0fa-4972-9ded-5cd4a28ff5d8" providerId="ADAL" clId="{4440E78D-6615-47E0-9AC6-B71C33F44C65}" dt="2025-11-05T06:03:29.344" v="1248" actId="313"/>
+          <ac:spMkLst>
+            <pc:docMk/>
+            <pc:sldMk cId="2714545853" sldId="269"/>
+            <ac:spMk id="3" creationId="{2070EB4C-2CA4-D247-A855-C1D44D1ADDF9}"/>
+          </ac:spMkLst>
+        </pc:spChg>
+      </pc:sldChg>
+      <pc:sldChg chg="addSp delSp modSp new mod">
+        <pc:chgData name="Nicholas De Clercq" userId="9c31a129-d0fa-4972-9ded-5cd4a28ff5d8" providerId="ADAL" clId="{4440E78D-6615-47E0-9AC6-B71C33F44C65}" dt="2025-11-05T06:04:42.741" v="1266" actId="22"/>
+        <pc:sldMkLst>
+          <pc:docMk/>
+          <pc:sldMk cId="1418106113" sldId="270"/>
+        </pc:sldMkLst>
+        <pc:spChg chg="mod">
+          <ac:chgData name="Nicholas De Clercq" userId="9c31a129-d0fa-4972-9ded-5cd4a28ff5d8" providerId="ADAL" clId="{4440E78D-6615-47E0-9AC6-B71C33F44C65}" dt="2025-11-05T06:04:10.614" v="1262" actId="20577"/>
+          <ac:spMkLst>
+            <pc:docMk/>
+            <pc:sldMk cId="1418106113" sldId="270"/>
+            <ac:spMk id="2" creationId="{FD0E37A3-AF7E-7A9E-D9AB-2AB5F6E63B63}"/>
+          </ac:spMkLst>
+        </pc:spChg>
+        <pc:spChg chg="del">
+          <ac:chgData name="Nicholas De Clercq" userId="9c31a129-d0fa-4972-9ded-5cd4a28ff5d8" providerId="ADAL" clId="{4440E78D-6615-47E0-9AC6-B71C33F44C65}" dt="2025-11-05T06:04:25.373" v="1263" actId="22"/>
+          <ac:spMkLst>
+            <pc:docMk/>
+            <pc:sldMk cId="1418106113" sldId="270"/>
+            <ac:spMk id="3" creationId="{EDBE7D23-42D6-5E8A-F171-D67D584FF3AD}"/>
+          </ac:spMkLst>
+        </pc:spChg>
+        <pc:spChg chg="del">
+          <ac:chgData name="Nicholas De Clercq" userId="9c31a129-d0fa-4972-9ded-5cd4a28ff5d8" providerId="ADAL" clId="{4440E78D-6615-47E0-9AC6-B71C33F44C65}" dt="2025-11-05T06:04:42.741" v="1266" actId="22"/>
+          <ac:spMkLst>
+            <pc:docMk/>
+            <pc:sldMk cId="1418106113" sldId="270"/>
+            <ac:spMk id="4" creationId="{62BAEE26-225D-795F-7BD5-2EDB72310C9F}"/>
+          </ac:spMkLst>
+        </pc:spChg>
+        <pc:picChg chg="add mod ord">
+          <ac:chgData name="Nicholas De Clercq" userId="9c31a129-d0fa-4972-9ded-5cd4a28ff5d8" providerId="ADAL" clId="{4440E78D-6615-47E0-9AC6-B71C33F44C65}" dt="2025-11-05T06:04:31.219" v="1265" actId="1076"/>
+          <ac:picMkLst>
+            <pc:docMk/>
+            <pc:sldMk cId="1418106113" sldId="270"/>
+            <ac:picMk id="6" creationId="{D652C2EB-23FF-7323-1A1B-A86D618EB046}"/>
+          </ac:picMkLst>
+        </pc:picChg>
+        <pc:picChg chg="add mod ord">
+          <ac:chgData name="Nicholas De Clercq" userId="9c31a129-d0fa-4972-9ded-5cd4a28ff5d8" providerId="ADAL" clId="{4440E78D-6615-47E0-9AC6-B71C33F44C65}" dt="2025-11-05T06:04:42.741" v="1266" actId="22"/>
+          <ac:picMkLst>
+            <pc:docMk/>
+            <pc:sldMk cId="1418106113" sldId="270"/>
+            <ac:picMk id="8" creationId="{F51A0411-5D2D-9956-ECB4-60B99546FDBF}"/>
+          </ac:picMkLst>
+        </pc:picChg>
+      </pc:sldChg>
+      <pc:sldChg chg="addSp delSp modSp new mod">
+        <pc:chgData name="Nicholas De Clercq" userId="9c31a129-d0fa-4972-9ded-5cd4a28ff5d8" providerId="ADAL" clId="{4440E78D-6615-47E0-9AC6-B71C33F44C65}" dt="2025-11-05T06:05:17.434" v="1286" actId="22"/>
+        <pc:sldMkLst>
+          <pc:docMk/>
+          <pc:sldMk cId="1615738864" sldId="271"/>
+        </pc:sldMkLst>
+        <pc:spChg chg="mod">
+          <ac:chgData name="Nicholas De Clercq" userId="9c31a129-d0fa-4972-9ded-5cd4a28ff5d8" providerId="ADAL" clId="{4440E78D-6615-47E0-9AC6-B71C33F44C65}" dt="2025-11-05T06:04:58.647" v="1284" actId="20577"/>
+          <ac:spMkLst>
+            <pc:docMk/>
+            <pc:sldMk cId="1615738864" sldId="271"/>
+            <ac:spMk id="2" creationId="{F78B5930-169F-A6FE-0815-0BBE91A7CD15}"/>
+          </ac:spMkLst>
+        </pc:spChg>
+        <pc:spChg chg="del">
+          <ac:chgData name="Nicholas De Clercq" userId="9c31a129-d0fa-4972-9ded-5cd4a28ff5d8" providerId="ADAL" clId="{4440E78D-6615-47E0-9AC6-B71C33F44C65}" dt="2025-11-05T06:05:06.959" v="1285" actId="22"/>
+          <ac:spMkLst>
+            <pc:docMk/>
+            <pc:sldMk cId="1615738864" sldId="271"/>
+            <ac:spMk id="3" creationId="{36EEACDD-3D7B-C16F-C469-4481110C2638}"/>
+          </ac:spMkLst>
+        </pc:spChg>
+        <pc:spChg chg="del">
+          <ac:chgData name="Nicholas De Clercq" userId="9c31a129-d0fa-4972-9ded-5cd4a28ff5d8" providerId="ADAL" clId="{4440E78D-6615-47E0-9AC6-B71C33F44C65}" dt="2025-11-05T06:05:17.434" v="1286" actId="22"/>
+          <ac:spMkLst>
+            <pc:docMk/>
+            <pc:sldMk cId="1615738864" sldId="271"/>
+            <ac:spMk id="4" creationId="{B0FFD61B-B092-BB54-2125-26B6A4B0BD06}"/>
+          </ac:spMkLst>
+        </pc:spChg>
+        <pc:picChg chg="add mod ord">
+          <ac:chgData name="Nicholas De Clercq" userId="9c31a129-d0fa-4972-9ded-5cd4a28ff5d8" providerId="ADAL" clId="{4440E78D-6615-47E0-9AC6-B71C33F44C65}" dt="2025-11-05T06:05:06.959" v="1285" actId="22"/>
+          <ac:picMkLst>
+            <pc:docMk/>
+            <pc:sldMk cId="1615738864" sldId="271"/>
+            <ac:picMk id="6" creationId="{698B3927-15EA-AB8D-A3BC-18C15C8A7520}"/>
+          </ac:picMkLst>
+        </pc:picChg>
+        <pc:picChg chg="add mod ord">
+          <ac:chgData name="Nicholas De Clercq" userId="9c31a129-d0fa-4972-9ded-5cd4a28ff5d8" providerId="ADAL" clId="{4440E78D-6615-47E0-9AC6-B71C33F44C65}" dt="2025-11-05T06:05:17.434" v="1286" actId="22"/>
+          <ac:picMkLst>
+            <pc:docMk/>
+            <pc:sldMk cId="1615738864" sldId="271"/>
+            <ac:picMk id="8" creationId="{06422799-47D6-0A1B-5FC1-3FA221523E03}"/>
+          </ac:picMkLst>
+        </pc:picChg>
+      </pc:sldChg>
+      <pc:sldChg chg="addSp delSp modSp new mod">
+        <pc:chgData name="Nicholas De Clercq" userId="9c31a129-d0fa-4972-9ded-5cd4a28ff5d8" providerId="ADAL" clId="{4440E78D-6615-47E0-9AC6-B71C33F44C65}" dt="2025-11-05T06:07:01.418" v="1305" actId="22"/>
+        <pc:sldMkLst>
+          <pc:docMk/>
+          <pc:sldMk cId="2749788119" sldId="272"/>
+        </pc:sldMkLst>
+        <pc:spChg chg="mod">
+          <ac:chgData name="Nicholas De Clercq" userId="9c31a129-d0fa-4972-9ded-5cd4a28ff5d8" providerId="ADAL" clId="{4440E78D-6615-47E0-9AC6-B71C33F44C65}" dt="2025-11-05T06:06:40.912" v="1303" actId="20577"/>
+          <ac:spMkLst>
+            <pc:docMk/>
+            <pc:sldMk cId="2749788119" sldId="272"/>
+            <ac:spMk id="2" creationId="{21D3B780-BFB6-DEDD-8214-E407AC709647}"/>
+          </ac:spMkLst>
+        </pc:spChg>
+        <pc:spChg chg="del">
+          <ac:chgData name="Nicholas De Clercq" userId="9c31a129-d0fa-4972-9ded-5cd4a28ff5d8" providerId="ADAL" clId="{4440E78D-6615-47E0-9AC6-B71C33F44C65}" dt="2025-11-05T06:06:52.959" v="1304" actId="22"/>
+          <ac:spMkLst>
+            <pc:docMk/>
+            <pc:sldMk cId="2749788119" sldId="272"/>
+            <ac:spMk id="3" creationId="{71F61B48-F0F4-DD98-1469-7B9EAF06DEF5}"/>
+          </ac:spMkLst>
+        </pc:spChg>
+        <pc:spChg chg="del">
+          <ac:chgData name="Nicholas De Clercq" userId="9c31a129-d0fa-4972-9ded-5cd4a28ff5d8" providerId="ADAL" clId="{4440E78D-6615-47E0-9AC6-B71C33F44C65}" dt="2025-11-05T06:07:01.418" v="1305" actId="22"/>
+          <ac:spMkLst>
+            <pc:docMk/>
+            <pc:sldMk cId="2749788119" sldId="272"/>
+            <ac:spMk id="4" creationId="{AA098A07-3769-93B5-A4DC-423692AC5302}"/>
+          </ac:spMkLst>
+        </pc:spChg>
+        <pc:picChg chg="add mod ord">
+          <ac:chgData name="Nicholas De Clercq" userId="9c31a129-d0fa-4972-9ded-5cd4a28ff5d8" providerId="ADAL" clId="{4440E78D-6615-47E0-9AC6-B71C33F44C65}" dt="2025-11-05T06:06:52.959" v="1304" actId="22"/>
+          <ac:picMkLst>
+            <pc:docMk/>
+            <pc:sldMk cId="2749788119" sldId="272"/>
+            <ac:picMk id="6" creationId="{AD804ED7-7377-360C-118F-B2A469905F06}"/>
+          </ac:picMkLst>
+        </pc:picChg>
+        <pc:picChg chg="add mod ord">
+          <ac:chgData name="Nicholas De Clercq" userId="9c31a129-d0fa-4972-9ded-5cd4a28ff5d8" providerId="ADAL" clId="{4440E78D-6615-47E0-9AC6-B71C33F44C65}" dt="2025-11-05T06:07:01.418" v="1305" actId="22"/>
+          <ac:picMkLst>
+            <pc:docMk/>
+            <pc:sldMk cId="2749788119" sldId="272"/>
+            <ac:picMk id="8" creationId="{21511862-2103-F16A-FD28-62469B70E6B6}"/>
+          </ac:picMkLst>
+        </pc:picChg>
+      </pc:sldChg>
+      <pc:sldChg chg="addSp delSp modSp new mod">
+        <pc:chgData name="Nicholas De Clercq" userId="9c31a129-d0fa-4972-9ded-5cd4a28ff5d8" providerId="ADAL" clId="{4440E78D-6615-47E0-9AC6-B71C33F44C65}" dt="2025-11-05T06:07:50.505" v="1320" actId="22"/>
+        <pc:sldMkLst>
+          <pc:docMk/>
+          <pc:sldMk cId="1775544986" sldId="273"/>
+        </pc:sldMkLst>
+        <pc:spChg chg="mod">
+          <ac:chgData name="Nicholas De Clercq" userId="9c31a129-d0fa-4972-9ded-5cd4a28ff5d8" providerId="ADAL" clId="{4440E78D-6615-47E0-9AC6-B71C33F44C65}" dt="2025-11-05T06:07:32.922" v="1318" actId="20577"/>
+          <ac:spMkLst>
+            <pc:docMk/>
+            <pc:sldMk cId="1775544986" sldId="273"/>
+            <ac:spMk id="2" creationId="{21E4C19E-2C57-3861-1F17-BD9B35E2C508}"/>
+          </ac:spMkLst>
+        </pc:spChg>
+        <pc:spChg chg="del">
+          <ac:chgData name="Nicholas De Clercq" userId="9c31a129-d0fa-4972-9ded-5cd4a28ff5d8" providerId="ADAL" clId="{4440E78D-6615-47E0-9AC6-B71C33F44C65}" dt="2025-11-05T06:07:41.297" v="1319" actId="22"/>
+          <ac:spMkLst>
+            <pc:docMk/>
+            <pc:sldMk cId="1775544986" sldId="273"/>
+            <ac:spMk id="3" creationId="{38BFD532-B59D-1CBF-A984-00D2C4D0F498}"/>
+          </ac:spMkLst>
+        </pc:spChg>
+        <pc:spChg chg="del">
+          <ac:chgData name="Nicholas De Clercq" userId="9c31a129-d0fa-4972-9ded-5cd4a28ff5d8" providerId="ADAL" clId="{4440E78D-6615-47E0-9AC6-B71C33F44C65}" dt="2025-11-05T06:07:50.505" v="1320" actId="22"/>
+          <ac:spMkLst>
+            <pc:docMk/>
+            <pc:sldMk cId="1775544986" sldId="273"/>
+            <ac:spMk id="4" creationId="{B31DE22E-D584-54B5-41F6-A696179D4E33}"/>
+          </ac:spMkLst>
+        </pc:spChg>
+        <pc:picChg chg="add mod ord">
+          <ac:chgData name="Nicholas De Clercq" userId="9c31a129-d0fa-4972-9ded-5cd4a28ff5d8" providerId="ADAL" clId="{4440E78D-6615-47E0-9AC6-B71C33F44C65}" dt="2025-11-05T06:07:41.297" v="1319" actId="22"/>
+          <ac:picMkLst>
+            <pc:docMk/>
+            <pc:sldMk cId="1775544986" sldId="273"/>
+            <ac:picMk id="6" creationId="{A775A8FB-E546-4816-E052-227ABDE8444A}"/>
+          </ac:picMkLst>
+        </pc:picChg>
+        <pc:picChg chg="add mod ord">
+          <ac:chgData name="Nicholas De Clercq" userId="9c31a129-d0fa-4972-9ded-5cd4a28ff5d8" providerId="ADAL" clId="{4440E78D-6615-47E0-9AC6-B71C33F44C65}" dt="2025-11-05T06:07:50.505" v="1320" actId="22"/>
+          <ac:picMkLst>
+            <pc:docMk/>
+            <pc:sldMk cId="1775544986" sldId="273"/>
+            <ac:picMk id="8" creationId="{D6BC9E68-1067-A6D3-48EF-B957789BBE01}"/>
+          </ac:picMkLst>
+        </pc:picChg>
+      </pc:sldChg>
+      <pc:sldChg chg="addSp delSp modSp new mod">
+        <pc:chgData name="Nicholas De Clercq" userId="9c31a129-d0fa-4972-9ded-5cd4a28ff5d8" providerId="ADAL" clId="{4440E78D-6615-47E0-9AC6-B71C33F44C65}" dt="2025-11-05T06:09:02.425" v="1329" actId="1076"/>
+        <pc:sldMkLst>
+          <pc:docMk/>
+          <pc:sldMk cId="473029113" sldId="274"/>
+        </pc:sldMkLst>
+        <pc:spChg chg="del">
+          <ac:chgData name="Nicholas De Clercq" userId="9c31a129-d0fa-4972-9ded-5cd4a28ff5d8" providerId="ADAL" clId="{4440E78D-6615-47E0-9AC6-B71C33F44C65}" dt="2025-11-05T06:08:12.885" v="1323" actId="478"/>
+          <ac:spMkLst>
+            <pc:docMk/>
+            <pc:sldMk cId="473029113" sldId="274"/>
+            <ac:spMk id="2" creationId="{6192C442-D20E-3E0E-56F9-94A6DB4381D7}"/>
+          </ac:spMkLst>
+        </pc:spChg>
+        <pc:spChg chg="del">
+          <ac:chgData name="Nicholas De Clercq" userId="9c31a129-d0fa-4972-9ded-5cd4a28ff5d8" providerId="ADAL" clId="{4440E78D-6615-47E0-9AC6-B71C33F44C65}" dt="2025-11-05T06:08:09.939" v="1322" actId="22"/>
+          <ac:spMkLst>
+            <pc:docMk/>
+            <pc:sldMk cId="473029113" sldId="274"/>
+            <ac:spMk id="3" creationId="{483C96A3-F3A9-105C-FEAE-F06383F7445E}"/>
+          </ac:spMkLst>
+        </pc:spChg>
+        <pc:spChg chg="mod">
+          <ac:chgData name="Nicholas De Clercq" userId="9c31a129-d0fa-4972-9ded-5cd4a28ff5d8" providerId="ADAL" clId="{4440E78D-6615-47E0-9AC6-B71C33F44C65}" dt="2025-11-05T06:09:02.425" v="1329" actId="1076"/>
+          <ac:spMkLst>
+            <pc:docMk/>
+            <pc:sldMk cId="473029113" sldId="274"/>
+            <ac:spMk id="4" creationId="{C75367EB-DF04-99FE-B9F3-6730A489023A}"/>
+          </ac:spMkLst>
+        </pc:spChg>
+        <pc:picChg chg="add mod ord">
+          <ac:chgData name="Nicholas De Clercq" userId="9c31a129-d0fa-4972-9ded-5cd4a28ff5d8" providerId="ADAL" clId="{4440E78D-6615-47E0-9AC6-B71C33F44C65}" dt="2025-11-05T06:08:09.939" v="1322" actId="22"/>
+          <ac:picMkLst>
+            <pc:docMk/>
+            <pc:sldMk cId="473029113" sldId="274"/>
+            <ac:picMk id="6" creationId="{15E4A0E2-90C6-D7EE-A3C7-6C20177908D3}"/>
+          </ac:picMkLst>
+        </pc:picChg>
+      </pc:sldChg>
+      <pc:sldChg chg="modSp new mod">
+        <pc:chgData name="Nicholas De Clercq" userId="9c31a129-d0fa-4972-9ded-5cd4a28ff5d8" providerId="ADAL" clId="{4440E78D-6615-47E0-9AC6-B71C33F44C65}" dt="2025-11-05T06:09:22.395" v="1346"/>
+        <pc:sldMkLst>
+          <pc:docMk/>
+          <pc:sldMk cId="553981541" sldId="275"/>
+        </pc:sldMkLst>
+        <pc:spChg chg="mod">
+          <ac:chgData name="Nicholas De Clercq" userId="9c31a129-d0fa-4972-9ded-5cd4a28ff5d8" providerId="ADAL" clId="{4440E78D-6615-47E0-9AC6-B71C33F44C65}" dt="2025-11-05T06:09:15.060" v="1345" actId="20577"/>
+          <ac:spMkLst>
+            <pc:docMk/>
+            <pc:sldMk cId="553981541" sldId="275"/>
+            <ac:spMk id="2" creationId="{2DE00117-83DA-8129-065E-3D53C7BF71A7}"/>
+          </ac:spMkLst>
+        </pc:spChg>
+        <pc:spChg chg="mod">
+          <ac:chgData name="Nicholas De Clercq" userId="9c31a129-d0fa-4972-9ded-5cd4a28ff5d8" providerId="ADAL" clId="{4440E78D-6615-47E0-9AC6-B71C33F44C65}" dt="2025-11-05T06:09:22.395" v="1346"/>
+          <ac:spMkLst>
+            <pc:docMk/>
+            <pc:sldMk cId="553981541" sldId="275"/>
+            <ac:spMk id="3" creationId="{22780387-9B23-3A49-D8AB-9E3BD83F6167}"/>
+          </ac:spMkLst>
+        </pc:spChg>
+      </pc:sldChg>
+      <pc:sldChg chg="addSp modSp new mod setBg addAnim">
+        <pc:chgData name="Nicholas De Clercq" userId="9c31a129-d0fa-4972-9ded-5cd4a28ff5d8" providerId="ADAL" clId="{4440E78D-6615-47E0-9AC6-B71C33F44C65}" dt="2025-11-05T06:09:45.129" v="1364"/>
+        <pc:sldMkLst>
+          <pc:docMk/>
+          <pc:sldMk cId="2777434147" sldId="276"/>
+        </pc:sldMkLst>
+        <pc:spChg chg="mod">
+          <ac:chgData name="Nicholas De Clercq" userId="9c31a129-d0fa-4972-9ded-5cd4a28ff5d8" providerId="ADAL" clId="{4440E78D-6615-47E0-9AC6-B71C33F44C65}" dt="2025-11-05T06:09:45.129" v="1362" actId="26606"/>
+          <ac:spMkLst>
+            <pc:docMk/>
+            <pc:sldMk cId="2777434147" sldId="276"/>
+            <ac:spMk id="2" creationId="{063D900A-2D9F-A800-4E62-D555FF515BEE}"/>
+          </ac:spMkLst>
+        </pc:spChg>
+        <pc:spChg chg="add">
+          <ac:chgData name="Nicholas De Clercq" userId="9c31a129-d0fa-4972-9ded-5cd4a28ff5d8" providerId="ADAL" clId="{4440E78D-6615-47E0-9AC6-B71C33F44C65}" dt="2025-11-05T06:09:45.129" v="1362" actId="26606"/>
+          <ac:spMkLst>
+            <pc:docMk/>
+            <pc:sldMk cId="2777434147" sldId="276"/>
+            <ac:spMk id="9" creationId="{4E4490D0-3672-446A-AC12-B4830333BDDD}"/>
+          </ac:spMkLst>
+        </pc:spChg>
+        <pc:spChg chg="add">
+          <ac:chgData name="Nicholas De Clercq" userId="9c31a129-d0fa-4972-9ded-5cd4a28ff5d8" providerId="ADAL" clId="{4440E78D-6615-47E0-9AC6-B71C33F44C65}" dt="2025-11-05T06:09:45.129" v="1362" actId="26606"/>
+          <ac:spMkLst>
+            <pc:docMk/>
+            <pc:sldMk cId="2777434147" sldId="276"/>
+            <ac:spMk id="11" creationId="{39CB82C2-DF65-4EC1-8280-F201D50F570B}"/>
+          </ac:spMkLst>
+        </pc:spChg>
+        <pc:spChg chg="add">
+          <ac:chgData name="Nicholas De Clercq" userId="9c31a129-d0fa-4972-9ded-5cd4a28ff5d8" providerId="ADAL" clId="{4440E78D-6615-47E0-9AC6-B71C33F44C65}" dt="2025-11-05T06:09:45.129" v="1362" actId="26606"/>
+          <ac:spMkLst>
+            <pc:docMk/>
+            <pc:sldMk cId="2777434147" sldId="276"/>
+            <ac:spMk id="15" creationId="{FA4CD5CB-D209-4D70-8CA4-629731C59219}"/>
+          </ac:spMkLst>
+        </pc:spChg>
+        <pc:spChg chg="add">
+          <ac:chgData name="Nicholas De Clercq" userId="9c31a129-d0fa-4972-9ded-5cd4a28ff5d8" providerId="ADAL" clId="{4440E78D-6615-47E0-9AC6-B71C33F44C65}" dt="2025-11-05T06:09:45.129" v="1362" actId="26606"/>
+          <ac:spMkLst>
+            <pc:docMk/>
+            <pc:sldMk cId="2777434147" sldId="276"/>
+            <ac:spMk id="19" creationId="{B4C27B90-DF2B-4D00-BA07-18ED774CD2F1}"/>
+          </ac:spMkLst>
+        </pc:spChg>
+        <pc:spChg chg="add">
+          <ac:chgData name="Nicholas De Clercq" userId="9c31a129-d0fa-4972-9ded-5cd4a28ff5d8" providerId="ADAL" clId="{4440E78D-6615-47E0-9AC6-B71C33F44C65}" dt="2025-11-05T06:09:45.129" v="1362" actId="26606"/>
+          <ac:spMkLst>
+            <pc:docMk/>
+            <pc:sldMk cId="2777434147" sldId="276"/>
+            <ac:spMk id="21" creationId="{593ACC25-C262-417A-8AA9-0641C772BDB6}"/>
+          </ac:spMkLst>
+        </pc:spChg>
+        <pc:picChg chg="add">
+          <ac:chgData name="Nicholas De Clercq" userId="9c31a129-d0fa-4972-9ded-5cd4a28ff5d8" providerId="ADAL" clId="{4440E78D-6615-47E0-9AC6-B71C33F44C65}" dt="2025-11-05T06:09:45.129" v="1362" actId="26606"/>
+          <ac:picMkLst>
+            <pc:docMk/>
+            <pc:sldMk cId="2777434147" sldId="276"/>
+            <ac:picMk id="6" creationId="{1D33A46C-E739-EBA4-D912-8140B7BE6515}"/>
+          </ac:picMkLst>
+        </pc:picChg>
+        <pc:cxnChg chg="add">
+          <ac:chgData name="Nicholas De Clercq" userId="9c31a129-d0fa-4972-9ded-5cd4a28ff5d8" providerId="ADAL" clId="{4440E78D-6615-47E0-9AC6-B71C33F44C65}" dt="2025-11-05T06:09:45.129" v="1362" actId="26606"/>
+          <ac:cxnSpMkLst>
+            <pc:docMk/>
+            <pc:sldMk cId="2777434147" sldId="276"/>
+            <ac:cxnSpMk id="13" creationId="{7E1D4427-852B-4B37-8E76-0E9F1810BA2A}"/>
+          </ac:cxnSpMkLst>
+        </pc:cxnChg>
+        <pc:cxnChg chg="add">
+          <ac:chgData name="Nicholas De Clercq" userId="9c31a129-d0fa-4972-9ded-5cd4a28ff5d8" providerId="ADAL" clId="{4440E78D-6615-47E0-9AC6-B71C33F44C65}" dt="2025-11-05T06:09:45.129" v="1362" actId="26606"/>
+          <ac:cxnSpMkLst>
+            <pc:docMk/>
+            <pc:sldMk cId="2777434147" sldId="276"/>
+            <ac:cxnSpMk id="17" creationId="{5C6A2BAE-B461-4B55-8E1F-0722ABDD1393}"/>
+          </ac:cxnSpMkLst>
+        </pc:cxnChg>
       </pc:sldChg>
     </pc:docChg>
   </pc:docChgLst>
@@ -803,7 +1269,7 @@
           <a:p>
             <a:fld id="{AFAC6D3C-8276-49DF-B0C4-D3423B2F10E9}" type="datetimeFigureOut">
               <a:rPr lang="en-ZA" smtClean="0"/>
-              <a:t>2025/11/03</a:t>
+              <a:t>2025/11/05</a:t>
             </a:fld>
             <a:endParaRPr lang="en-ZA"/>
           </a:p>
@@ -1011,7 +1477,7 @@
           <a:p>
             <a:fld id="{AFAC6D3C-8276-49DF-B0C4-D3423B2F10E9}" type="datetimeFigureOut">
               <a:rPr lang="en-ZA" smtClean="0"/>
-              <a:t>2025/11/03</a:t>
+              <a:t>2025/11/05</a:t>
             </a:fld>
             <a:endParaRPr lang="en-ZA"/>
           </a:p>
@@ -1267,7 +1733,7 @@
           <a:p>
             <a:fld id="{AFAC6D3C-8276-49DF-B0C4-D3423B2F10E9}" type="datetimeFigureOut">
               <a:rPr lang="en-ZA" smtClean="0"/>
-              <a:t>2025/11/03</a:t>
+              <a:t>2025/11/05</a:t>
             </a:fld>
             <a:endParaRPr lang="en-ZA"/>
           </a:p>
@@ -1441,7 +1907,7 @@
           <a:p>
             <a:fld id="{AFAC6D3C-8276-49DF-B0C4-D3423B2F10E9}" type="datetimeFigureOut">
               <a:rPr lang="en-ZA" smtClean="0"/>
-              <a:t>2025/11/03</a:t>
+              <a:t>2025/11/05</a:t>
             </a:fld>
             <a:endParaRPr lang="en-ZA"/>
           </a:p>
@@ -1784,7 +2250,7 @@
           <a:p>
             <a:fld id="{AFAC6D3C-8276-49DF-B0C4-D3423B2F10E9}" type="datetimeFigureOut">
               <a:rPr lang="en-ZA" smtClean="0"/>
-              <a:t>2025/11/03</a:t>
+              <a:t>2025/11/05</a:t>
             </a:fld>
             <a:endParaRPr lang="en-ZA"/>
           </a:p>
@@ -2059,7 +2525,7 @@
           <a:p>
             <a:fld id="{AFAC6D3C-8276-49DF-B0C4-D3423B2F10E9}" type="datetimeFigureOut">
               <a:rPr lang="en-ZA" smtClean="0"/>
-              <a:t>2025/11/03</a:t>
+              <a:t>2025/11/05</a:t>
             </a:fld>
             <a:endParaRPr lang="en-ZA"/>
           </a:p>
@@ -2438,7 +2904,7 @@
           <a:p>
             <a:fld id="{AFAC6D3C-8276-49DF-B0C4-D3423B2F10E9}" type="datetimeFigureOut">
               <a:rPr lang="en-ZA" smtClean="0"/>
-              <a:t>2025/11/03</a:t>
+              <a:t>2025/11/05</a:t>
             </a:fld>
             <a:endParaRPr lang="en-ZA"/>
           </a:p>
@@ -2556,7 +3022,7 @@
           <a:p>
             <a:fld id="{AFAC6D3C-8276-49DF-B0C4-D3423B2F10E9}" type="datetimeFigureOut">
               <a:rPr lang="en-ZA" smtClean="0"/>
-              <a:t>2025/11/03</a:t>
+              <a:t>2025/11/05</a:t>
             </a:fld>
             <a:endParaRPr lang="en-ZA"/>
           </a:p>
@@ -2727,7 +3193,7 @@
           <a:p>
             <a:fld id="{AFAC6D3C-8276-49DF-B0C4-D3423B2F10E9}" type="datetimeFigureOut">
               <a:rPr lang="en-ZA" smtClean="0"/>
-              <a:t>2025/11/03</a:t>
+              <a:t>2025/11/05</a:t>
             </a:fld>
             <a:endParaRPr lang="en-ZA"/>
           </a:p>
@@ -2850,6 +3316,13 @@
             <a:schemeClr val="lt1"/>
           </a:fontRef>
         </p:style>
+        <p:txBody>
+          <a:bodyPr/>
+          <a:lstStyle/>
+          <a:p>
+            <a:endParaRPr lang="en-ZA"/>
+          </a:p>
+        </p:txBody>
       </p:sp>
       <p:sp>
         <p:nvSpPr>
@@ -2888,6 +3361,13 @@
             <a:schemeClr val="lt1"/>
           </a:fontRef>
         </p:style>
+        <p:txBody>
+          <a:bodyPr/>
+          <a:lstStyle/>
+          <a:p>
+            <a:endParaRPr lang="en-ZA"/>
+          </a:p>
+        </p:txBody>
       </p:sp>
       <p:sp>
         <p:nvSpPr>
@@ -3081,7 +3561,7 @@
           <a:p>
             <a:fld id="{AFAC6D3C-8276-49DF-B0C4-D3423B2F10E9}" type="datetimeFigureOut">
               <a:rPr lang="en-ZA" smtClean="0"/>
-              <a:t>2025/11/03</a:t>
+              <a:t>2025/11/05</a:t>
             </a:fld>
             <a:endParaRPr lang="en-ZA"/>
           </a:p>
@@ -3463,7 +3943,7 @@
           <a:p>
             <a:fld id="{AFAC6D3C-8276-49DF-B0C4-D3423B2F10E9}" type="datetimeFigureOut">
               <a:rPr lang="en-ZA" smtClean="0"/>
-              <a:t>2025/11/03</a:t>
+              <a:t>2025/11/05</a:t>
             </a:fld>
             <a:endParaRPr lang="en-ZA"/>
           </a:p>
@@ -3764,7 +4244,7 @@
           <a:p>
             <a:fld id="{AFAC6D3C-8276-49DF-B0C4-D3423B2F10E9}" type="datetimeFigureOut">
               <a:rPr lang="en-ZA" smtClean="0"/>
-              <a:t>2025/11/03</a:t>
+              <a:t>2025/11/05</a:t>
             </a:fld>
             <a:endParaRPr lang="en-ZA"/>
           </a:p>
@@ -4311,7 +4791,7 @@
           <a:p>
             <a:r>
               <a:rPr lang="en-ZA" dirty="0"/>
-              <a:t>Risk Analyst Case Study</a:t>
+              <a:t>Portfolio Case Study</a:t>
             </a:r>
           </a:p>
         </p:txBody>
@@ -4348,6 +4828,1185 @@
     <p:extLst>
       <p:ext uri="{BB962C8B-B14F-4D97-AF65-F5344CB8AC3E}">
         <p14:creationId xmlns:p14="http://schemas.microsoft.com/office/powerpoint/2010/main" val="389394611"/>
+      </p:ext>
+    </p:extLst>
+  </p:cSld>
+  <p:clrMapOvr>
+    <a:masterClrMapping/>
+  </p:clrMapOvr>
+</p:sld>
+</file>
+
+<file path=ppt/slides/slide10.xml><?xml version="1.0" encoding="utf-8"?>
+<p:sld xmlns:a="http://schemas.openxmlformats.org/drawingml/2006/main" xmlns:r="http://schemas.openxmlformats.org/officeDocument/2006/relationships" xmlns:p="http://schemas.openxmlformats.org/presentationml/2006/main">
+  <p:cSld>
+    <p:spTree>
+      <p:nvGrpSpPr>
+        <p:cNvPr id="1" name=""/>
+        <p:cNvGrpSpPr/>
+        <p:nvPr/>
+      </p:nvGrpSpPr>
+      <p:grpSpPr>
+        <a:xfrm>
+          <a:off x="0" y="0"/>
+          <a:ext cx="0" cy="0"/>
+          <a:chOff x="0" y="0"/>
+          <a:chExt cx="0" cy="0"/>
+        </a:xfrm>
+      </p:grpSpPr>
+      <p:sp>
+        <p:nvSpPr>
+          <p:cNvPr id="2" name="Title 1">
+            <a:extLst>
+              <a:ext uri="{FF2B5EF4-FFF2-40B4-BE49-F238E27FC236}">
+                <a16:creationId xmlns:a16="http://schemas.microsoft.com/office/drawing/2014/main" id="{C5ECB41F-B455-3EB6-D27F-F331F1A266A3}"/>
+              </a:ext>
+            </a:extLst>
+          </p:cNvPr>
+          <p:cNvSpPr>
+            <a:spLocks noGrp="1"/>
+          </p:cNvSpPr>
+          <p:nvPr>
+            <p:ph type="title"/>
+          </p:nvPr>
+        </p:nvSpPr>
+        <p:spPr/>
+        <p:txBody>
+          <a:bodyPr/>
+          <a:lstStyle/>
+          <a:p>
+            <a:r>
+              <a:rPr lang="en-ZA" dirty="0"/>
+              <a:t>Exposures over time</a:t>
+            </a:r>
+          </a:p>
+        </p:txBody>
+      </p:sp>
+      <p:pic>
+        <p:nvPicPr>
+          <p:cNvPr id="6" name="Content Placeholder 5">
+            <a:extLst>
+              <a:ext uri="{FF2B5EF4-FFF2-40B4-BE49-F238E27FC236}">
+                <a16:creationId xmlns:a16="http://schemas.microsoft.com/office/drawing/2014/main" id="{FFB35E5E-C79A-986C-8F18-A1F7721AEAAA}"/>
+              </a:ext>
+            </a:extLst>
+          </p:cNvPr>
+          <p:cNvPicPr>
+            <a:picLocks noGrp="1" noChangeAspect="1"/>
+          </p:cNvPicPr>
+          <p:nvPr>
+            <p:ph sz="half" idx="1"/>
+          </p:nvPr>
+        </p:nvPicPr>
+        <p:blipFill>
+          <a:blip r:embed="rId2"/>
+          <a:stretch>
+            <a:fillRect/>
+          </a:stretch>
+        </p:blipFill>
+        <p:spPr>
+          <a:xfrm>
+            <a:off x="1096963" y="2082244"/>
+            <a:ext cx="4938712" cy="3550763"/>
+          </a:xfrm>
+          <a:prstGeom prst="rect">
+            <a:avLst/>
+          </a:prstGeom>
+        </p:spPr>
+      </p:pic>
+      <p:pic>
+        <p:nvPicPr>
+          <p:cNvPr id="8" name="Content Placeholder 7">
+            <a:extLst>
+              <a:ext uri="{FF2B5EF4-FFF2-40B4-BE49-F238E27FC236}">
+                <a16:creationId xmlns:a16="http://schemas.microsoft.com/office/drawing/2014/main" id="{08115A60-DF41-DBC5-A472-3DC353361CE7}"/>
+              </a:ext>
+            </a:extLst>
+          </p:cNvPr>
+          <p:cNvPicPr>
+            <a:picLocks noGrp="1" noChangeAspect="1"/>
+          </p:cNvPicPr>
+          <p:nvPr>
+            <p:ph sz="half" idx="2"/>
+          </p:nvPr>
+        </p:nvPicPr>
+        <p:blipFill>
+          <a:blip r:embed="rId3"/>
+          <a:stretch>
+            <a:fillRect/>
+          </a:stretch>
+        </p:blipFill>
+        <p:spPr>
+          <a:xfrm>
+            <a:off x="6218238" y="2151775"/>
+            <a:ext cx="4937125" cy="3411701"/>
+          </a:xfrm>
+          <a:prstGeom prst="rect">
+            <a:avLst/>
+          </a:prstGeom>
+        </p:spPr>
+      </p:pic>
+    </p:spTree>
+    <p:extLst>
+      <p:ext uri="{BB962C8B-B14F-4D97-AF65-F5344CB8AC3E}">
+        <p14:creationId xmlns:p14="http://schemas.microsoft.com/office/powerpoint/2010/main" val="533887787"/>
+      </p:ext>
+    </p:extLst>
+  </p:cSld>
+  <p:clrMapOvr>
+    <a:masterClrMapping/>
+  </p:clrMapOvr>
+</p:sld>
+</file>
+
+<file path=ppt/slides/slide11.xml><?xml version="1.0" encoding="utf-8"?>
+<p:sld xmlns:a="http://schemas.openxmlformats.org/drawingml/2006/main" xmlns:r="http://schemas.openxmlformats.org/officeDocument/2006/relationships" xmlns:p="http://schemas.openxmlformats.org/presentationml/2006/main">
+  <p:cSld>
+    <p:spTree>
+      <p:nvGrpSpPr>
+        <p:cNvPr id="1" name=""/>
+        <p:cNvGrpSpPr/>
+        <p:nvPr/>
+      </p:nvGrpSpPr>
+      <p:grpSpPr>
+        <a:xfrm>
+          <a:off x="0" y="0"/>
+          <a:ext cx="0" cy="0"/>
+          <a:chOff x="0" y="0"/>
+          <a:chExt cx="0" cy="0"/>
+        </a:xfrm>
+      </p:grpSpPr>
+      <p:sp>
+        <p:nvSpPr>
+          <p:cNvPr id="2" name="Title 1">
+            <a:extLst>
+              <a:ext uri="{FF2B5EF4-FFF2-40B4-BE49-F238E27FC236}">
+                <a16:creationId xmlns:a16="http://schemas.microsoft.com/office/drawing/2014/main" id="{243A9696-BF42-C1C3-52C2-B433F5324C46}"/>
+              </a:ext>
+            </a:extLst>
+          </p:cNvPr>
+          <p:cNvSpPr>
+            <a:spLocks noGrp="1"/>
+          </p:cNvSpPr>
+          <p:nvPr>
+            <p:ph type="title"/>
+          </p:nvPr>
+        </p:nvSpPr>
+        <p:spPr/>
+        <p:txBody>
+          <a:bodyPr/>
+          <a:lstStyle/>
+          <a:p>
+            <a:r>
+              <a:rPr lang="en-ZA" dirty="0"/>
+              <a:t>Return Attribution</a:t>
+            </a:r>
+          </a:p>
+        </p:txBody>
+      </p:sp>
+      <p:pic>
+        <p:nvPicPr>
+          <p:cNvPr id="6" name="Content Placeholder 5">
+            <a:extLst>
+              <a:ext uri="{FF2B5EF4-FFF2-40B4-BE49-F238E27FC236}">
+                <a16:creationId xmlns:a16="http://schemas.microsoft.com/office/drawing/2014/main" id="{4198C6BC-8B04-6844-A098-1EECFEA72C50}"/>
+              </a:ext>
+            </a:extLst>
+          </p:cNvPr>
+          <p:cNvPicPr>
+            <a:picLocks noGrp="1" noChangeAspect="1"/>
+          </p:cNvPicPr>
+          <p:nvPr>
+            <p:ph sz="half" idx="1"/>
+          </p:nvPr>
+        </p:nvPicPr>
+        <p:blipFill>
+          <a:blip r:embed="rId2"/>
+          <a:stretch>
+            <a:fillRect/>
+          </a:stretch>
+        </p:blipFill>
+        <p:spPr>
+          <a:xfrm>
+            <a:off x="1096963" y="2068733"/>
+            <a:ext cx="4938712" cy="3577784"/>
+          </a:xfrm>
+          <a:prstGeom prst="rect">
+            <a:avLst/>
+          </a:prstGeom>
+        </p:spPr>
+      </p:pic>
+      <p:pic>
+        <p:nvPicPr>
+          <p:cNvPr id="8" name="Content Placeholder 7">
+            <a:extLst>
+              <a:ext uri="{FF2B5EF4-FFF2-40B4-BE49-F238E27FC236}">
+                <a16:creationId xmlns:a16="http://schemas.microsoft.com/office/drawing/2014/main" id="{D54FC1E3-829A-CCC4-48CD-B2A9F3434F34}"/>
+              </a:ext>
+            </a:extLst>
+          </p:cNvPr>
+          <p:cNvPicPr>
+            <a:picLocks noGrp="1" noChangeAspect="1"/>
+          </p:cNvPicPr>
+          <p:nvPr>
+            <p:ph sz="half" idx="2"/>
+          </p:nvPr>
+        </p:nvPicPr>
+        <p:blipFill>
+          <a:blip r:embed="rId3"/>
+          <a:stretch>
+            <a:fillRect/>
+          </a:stretch>
+        </p:blipFill>
+        <p:spPr>
+          <a:xfrm>
+            <a:off x="6218238" y="2068733"/>
+            <a:ext cx="5081749" cy="3478780"/>
+          </a:xfrm>
+          <a:prstGeom prst="rect">
+            <a:avLst/>
+          </a:prstGeom>
+        </p:spPr>
+      </p:pic>
+    </p:spTree>
+    <p:extLst>
+      <p:ext uri="{BB962C8B-B14F-4D97-AF65-F5344CB8AC3E}">
+        <p14:creationId xmlns:p14="http://schemas.microsoft.com/office/powerpoint/2010/main" val="1877585268"/>
+      </p:ext>
+    </p:extLst>
+  </p:cSld>
+  <p:clrMapOvr>
+    <a:masterClrMapping/>
+  </p:clrMapOvr>
+</p:sld>
+</file>
+
+<file path=ppt/slides/slide12.xml><?xml version="1.0" encoding="utf-8"?>
+<p:sld xmlns:a="http://schemas.openxmlformats.org/drawingml/2006/main" xmlns:r="http://schemas.openxmlformats.org/officeDocument/2006/relationships" xmlns:p="http://schemas.openxmlformats.org/presentationml/2006/main">
+  <p:cSld>
+    <p:spTree>
+      <p:nvGrpSpPr>
+        <p:cNvPr id="1" name=""/>
+        <p:cNvGrpSpPr/>
+        <p:nvPr/>
+      </p:nvGrpSpPr>
+      <p:grpSpPr>
+        <a:xfrm>
+          <a:off x="0" y="0"/>
+          <a:ext cx="0" cy="0"/>
+          <a:chOff x="0" y="0"/>
+          <a:chExt cx="0" cy="0"/>
+        </a:xfrm>
+      </p:grpSpPr>
+      <p:sp>
+        <p:nvSpPr>
+          <p:cNvPr id="2" name="Title 1">
+            <a:extLst>
+              <a:ext uri="{FF2B5EF4-FFF2-40B4-BE49-F238E27FC236}">
+                <a16:creationId xmlns:a16="http://schemas.microsoft.com/office/drawing/2014/main" id="{2563CC05-F8D0-2D3A-79C2-CF4563ABD449}"/>
+              </a:ext>
+            </a:extLst>
+          </p:cNvPr>
+          <p:cNvSpPr>
+            <a:spLocks noGrp="1"/>
+          </p:cNvSpPr>
+          <p:nvPr>
+            <p:ph type="title"/>
+          </p:nvPr>
+        </p:nvSpPr>
+        <p:spPr/>
+        <p:txBody>
+          <a:bodyPr/>
+          <a:lstStyle/>
+          <a:p>
+            <a:r>
+              <a:rPr lang="en-ZA" dirty="0"/>
+              <a:t>Attribution continued</a:t>
+            </a:r>
+          </a:p>
+        </p:txBody>
+      </p:sp>
+      <p:pic>
+        <p:nvPicPr>
+          <p:cNvPr id="6" name="Content Placeholder 5">
+            <a:extLst>
+              <a:ext uri="{FF2B5EF4-FFF2-40B4-BE49-F238E27FC236}">
+                <a16:creationId xmlns:a16="http://schemas.microsoft.com/office/drawing/2014/main" id="{8887EA35-8BA7-1922-3041-CFA6EBA93B41}"/>
+              </a:ext>
+            </a:extLst>
+          </p:cNvPr>
+          <p:cNvPicPr>
+            <a:picLocks noGrp="1" noChangeAspect="1"/>
+          </p:cNvPicPr>
+          <p:nvPr>
+            <p:ph sz="half" idx="1"/>
+          </p:nvPr>
+        </p:nvPicPr>
+        <p:blipFill>
+          <a:blip r:embed="rId2"/>
+          <a:stretch>
+            <a:fillRect/>
+          </a:stretch>
+        </p:blipFill>
+        <p:spPr>
+          <a:xfrm>
+            <a:off x="1096963" y="2128245"/>
+            <a:ext cx="4938712" cy="3458761"/>
+          </a:xfrm>
+          <a:prstGeom prst="rect">
+            <a:avLst/>
+          </a:prstGeom>
+        </p:spPr>
+      </p:pic>
+      <p:pic>
+        <p:nvPicPr>
+          <p:cNvPr id="8" name="Content Placeholder 7">
+            <a:extLst>
+              <a:ext uri="{FF2B5EF4-FFF2-40B4-BE49-F238E27FC236}">
+                <a16:creationId xmlns:a16="http://schemas.microsoft.com/office/drawing/2014/main" id="{D7256F1D-3122-170E-0A78-39C57A61911B}"/>
+              </a:ext>
+            </a:extLst>
+          </p:cNvPr>
+          <p:cNvPicPr>
+            <a:picLocks noGrp="1" noChangeAspect="1"/>
+          </p:cNvPicPr>
+          <p:nvPr>
+            <p:ph sz="half" idx="2"/>
+          </p:nvPr>
+        </p:nvPicPr>
+        <p:blipFill>
+          <a:blip r:embed="rId3"/>
+          <a:stretch>
+            <a:fillRect/>
+          </a:stretch>
+        </p:blipFill>
+        <p:spPr>
+          <a:xfrm>
+            <a:off x="6218238" y="2051677"/>
+            <a:ext cx="4937125" cy="3611896"/>
+          </a:xfrm>
+          <a:prstGeom prst="rect">
+            <a:avLst/>
+          </a:prstGeom>
+        </p:spPr>
+      </p:pic>
+    </p:spTree>
+    <p:extLst>
+      <p:ext uri="{BB962C8B-B14F-4D97-AF65-F5344CB8AC3E}">
+        <p14:creationId xmlns:p14="http://schemas.microsoft.com/office/powerpoint/2010/main" val="1152386245"/>
+      </p:ext>
+    </p:extLst>
+  </p:cSld>
+  <p:clrMapOvr>
+    <a:masterClrMapping/>
+  </p:clrMapOvr>
+</p:sld>
+</file>
+
+<file path=ppt/slides/slide13.xml><?xml version="1.0" encoding="utf-8"?>
+<p:sld xmlns:a="http://schemas.openxmlformats.org/drawingml/2006/main" xmlns:r="http://schemas.openxmlformats.org/officeDocument/2006/relationships" xmlns:p="http://schemas.openxmlformats.org/presentationml/2006/main">
+  <p:cSld>
+    <p:spTree>
+      <p:nvGrpSpPr>
+        <p:cNvPr id="1" name=""/>
+        <p:cNvGrpSpPr/>
+        <p:nvPr/>
+      </p:nvGrpSpPr>
+      <p:grpSpPr>
+        <a:xfrm>
+          <a:off x="0" y="0"/>
+          <a:ext cx="0" cy="0"/>
+          <a:chOff x="0" y="0"/>
+          <a:chExt cx="0" cy="0"/>
+        </a:xfrm>
+      </p:grpSpPr>
+      <p:sp>
+        <p:nvSpPr>
+          <p:cNvPr id="2" name="Title 1">
+            <a:extLst>
+              <a:ext uri="{FF2B5EF4-FFF2-40B4-BE49-F238E27FC236}">
+                <a16:creationId xmlns:a16="http://schemas.microsoft.com/office/drawing/2014/main" id="{0A181801-0B45-C30E-422D-2BB9D4A356C6}"/>
+              </a:ext>
+            </a:extLst>
+          </p:cNvPr>
+          <p:cNvSpPr>
+            <a:spLocks noGrp="1"/>
+          </p:cNvSpPr>
+          <p:nvPr>
+            <p:ph type="title"/>
+          </p:nvPr>
+        </p:nvSpPr>
+        <p:spPr/>
+        <p:txBody>
+          <a:bodyPr/>
+          <a:lstStyle/>
+          <a:p>
+            <a:r>
+              <a:rPr lang="en-ZA" dirty="0"/>
+              <a:t>Share Attribution</a:t>
+            </a:r>
+          </a:p>
+        </p:txBody>
+      </p:sp>
+      <p:pic>
+        <p:nvPicPr>
+          <p:cNvPr id="6" name="Content Placeholder 5">
+            <a:extLst>
+              <a:ext uri="{FF2B5EF4-FFF2-40B4-BE49-F238E27FC236}">
+                <a16:creationId xmlns:a16="http://schemas.microsoft.com/office/drawing/2014/main" id="{E5FF1AD6-36A8-492C-5DDC-F09DDA3564E5}"/>
+              </a:ext>
+            </a:extLst>
+          </p:cNvPr>
+          <p:cNvPicPr>
+            <a:picLocks noGrp="1" noChangeAspect="1"/>
+          </p:cNvPicPr>
+          <p:nvPr>
+            <p:ph sz="half" idx="1"/>
+          </p:nvPr>
+        </p:nvPicPr>
+        <p:blipFill>
+          <a:blip r:embed="rId2"/>
+          <a:stretch>
+            <a:fillRect/>
+          </a:stretch>
+        </p:blipFill>
+        <p:spPr>
+          <a:xfrm>
+            <a:off x="1096963" y="2047055"/>
+            <a:ext cx="4938712" cy="3621140"/>
+          </a:xfrm>
+          <a:prstGeom prst="rect">
+            <a:avLst/>
+          </a:prstGeom>
+        </p:spPr>
+      </p:pic>
+      <p:pic>
+        <p:nvPicPr>
+          <p:cNvPr id="8" name="Content Placeholder 7">
+            <a:extLst>
+              <a:ext uri="{FF2B5EF4-FFF2-40B4-BE49-F238E27FC236}">
+                <a16:creationId xmlns:a16="http://schemas.microsoft.com/office/drawing/2014/main" id="{8547F2A7-D047-787D-0F31-7F4D7B6879A8}"/>
+              </a:ext>
+            </a:extLst>
+          </p:cNvPr>
+          <p:cNvPicPr>
+            <a:picLocks noGrp="1" noChangeAspect="1"/>
+          </p:cNvPicPr>
+          <p:nvPr>
+            <p:ph sz="half" idx="2"/>
+          </p:nvPr>
+        </p:nvPicPr>
+        <p:blipFill>
+          <a:blip r:embed="rId3"/>
+          <a:stretch>
+            <a:fillRect/>
+          </a:stretch>
+        </p:blipFill>
+        <p:spPr>
+          <a:xfrm>
+            <a:off x="6218238" y="2004626"/>
+            <a:ext cx="5055601" cy="3621139"/>
+          </a:xfrm>
+          <a:prstGeom prst="rect">
+            <a:avLst/>
+          </a:prstGeom>
+        </p:spPr>
+      </p:pic>
+    </p:spTree>
+    <p:extLst>
+      <p:ext uri="{BB962C8B-B14F-4D97-AF65-F5344CB8AC3E}">
+        <p14:creationId xmlns:p14="http://schemas.microsoft.com/office/powerpoint/2010/main" val="1951674299"/>
+      </p:ext>
+    </p:extLst>
+  </p:cSld>
+  <p:clrMapOvr>
+    <a:masterClrMapping/>
+  </p:clrMapOvr>
+</p:sld>
+</file>
+
+<file path=ppt/slides/slide14.xml><?xml version="1.0" encoding="utf-8"?>
+<p:sld xmlns:a="http://schemas.openxmlformats.org/drawingml/2006/main" xmlns:r="http://schemas.openxmlformats.org/officeDocument/2006/relationships" xmlns:p="http://schemas.openxmlformats.org/presentationml/2006/main">
+  <p:cSld>
+    <p:spTree>
+      <p:nvGrpSpPr>
+        <p:cNvPr id="1" name=""/>
+        <p:cNvGrpSpPr/>
+        <p:nvPr/>
+      </p:nvGrpSpPr>
+      <p:grpSpPr>
+        <a:xfrm>
+          <a:off x="0" y="0"/>
+          <a:ext cx="0" cy="0"/>
+          <a:chOff x="0" y="0"/>
+          <a:chExt cx="0" cy="0"/>
+        </a:xfrm>
+      </p:grpSpPr>
+      <p:sp>
+        <p:nvSpPr>
+          <p:cNvPr id="2" name="Title 1">
+            <a:extLst>
+              <a:ext uri="{FF2B5EF4-FFF2-40B4-BE49-F238E27FC236}">
+                <a16:creationId xmlns:a16="http://schemas.microsoft.com/office/drawing/2014/main" id="{6F7F9A01-EC68-5AF0-F6CE-C2671DBD29B2}"/>
+              </a:ext>
+            </a:extLst>
+          </p:cNvPr>
+          <p:cNvSpPr>
+            <a:spLocks noGrp="1"/>
+          </p:cNvSpPr>
+          <p:nvPr>
+            <p:ph type="title"/>
+          </p:nvPr>
+        </p:nvSpPr>
+        <p:spPr/>
+        <p:txBody>
+          <a:bodyPr/>
+          <a:lstStyle/>
+          <a:p>
+            <a:r>
+              <a:rPr lang="en-ZA" dirty="0"/>
+              <a:t>Return attribution Comments</a:t>
+            </a:r>
+          </a:p>
+        </p:txBody>
+      </p:sp>
+      <p:sp>
+        <p:nvSpPr>
+          <p:cNvPr id="3" name="Content Placeholder 2">
+            <a:extLst>
+              <a:ext uri="{FF2B5EF4-FFF2-40B4-BE49-F238E27FC236}">
+                <a16:creationId xmlns:a16="http://schemas.microsoft.com/office/drawing/2014/main" id="{2070EB4C-2CA4-D247-A855-C1D44D1ADDF9}"/>
+              </a:ext>
+            </a:extLst>
+          </p:cNvPr>
+          <p:cNvSpPr>
+            <a:spLocks noGrp="1"/>
+          </p:cNvSpPr>
+          <p:nvPr>
+            <p:ph idx="1"/>
+          </p:nvPr>
+        </p:nvSpPr>
+        <p:spPr/>
+        <p:txBody>
+          <a:bodyPr/>
+          <a:lstStyle/>
+          <a:p>
+            <a:r>
+              <a:rPr lang="en-ZA" dirty="0"/>
+              <a:t>It is clear that the information technology sector made the majority of the gains with a meaningful contribution from the communication services sector. China and Taiwan delivered the majority of the positive performance with Brazil the only large negative contributing region.</a:t>
+            </a:r>
+          </a:p>
+          <a:p>
+            <a:r>
+              <a:rPr lang="en-ZA" dirty="0"/>
+              <a:t>Taiwan Semiconductor manufact co was the notable performer over the period with a return of 10.5%. Tencent and Alibaba making meaningful contributions as well. On </a:t>
+            </a:r>
+            <a:r>
+              <a:rPr lang="en-ZA" dirty="0" err="1"/>
+              <a:t>Hapvida</a:t>
+            </a:r>
+            <a:r>
+              <a:rPr lang="en-ZA" dirty="0"/>
+              <a:t> and </a:t>
+            </a:r>
+            <a:r>
+              <a:rPr lang="en-ZA" dirty="0" err="1"/>
+              <a:t>Meituan</a:t>
+            </a:r>
+            <a:r>
+              <a:rPr lang="en-ZA" dirty="0"/>
+              <a:t> were the most negative detractors to performance.</a:t>
+            </a:r>
+          </a:p>
+        </p:txBody>
+      </p:sp>
+    </p:spTree>
+    <p:extLst>
+      <p:ext uri="{BB962C8B-B14F-4D97-AF65-F5344CB8AC3E}">
+        <p14:creationId xmlns:p14="http://schemas.microsoft.com/office/powerpoint/2010/main" val="2714545853"/>
+      </p:ext>
+    </p:extLst>
+  </p:cSld>
+  <p:clrMapOvr>
+    <a:masterClrMapping/>
+  </p:clrMapOvr>
+</p:sld>
+</file>
+
+<file path=ppt/slides/slide15.xml><?xml version="1.0" encoding="utf-8"?>
+<p:sld xmlns:a="http://schemas.openxmlformats.org/drawingml/2006/main" xmlns:r="http://schemas.openxmlformats.org/officeDocument/2006/relationships" xmlns:p="http://schemas.openxmlformats.org/presentationml/2006/main">
+  <p:cSld>
+    <p:spTree>
+      <p:nvGrpSpPr>
+        <p:cNvPr id="1" name=""/>
+        <p:cNvGrpSpPr/>
+        <p:nvPr/>
+      </p:nvGrpSpPr>
+      <p:grpSpPr>
+        <a:xfrm>
+          <a:off x="0" y="0"/>
+          <a:ext cx="0" cy="0"/>
+          <a:chOff x="0" y="0"/>
+          <a:chExt cx="0" cy="0"/>
+        </a:xfrm>
+      </p:grpSpPr>
+      <p:sp>
+        <p:nvSpPr>
+          <p:cNvPr id="2" name="Title 1">
+            <a:extLst>
+              <a:ext uri="{FF2B5EF4-FFF2-40B4-BE49-F238E27FC236}">
+                <a16:creationId xmlns:a16="http://schemas.microsoft.com/office/drawing/2014/main" id="{FD0E37A3-AF7E-7A9E-D9AB-2AB5F6E63B63}"/>
+              </a:ext>
+            </a:extLst>
+          </p:cNvPr>
+          <p:cNvSpPr>
+            <a:spLocks noGrp="1"/>
+          </p:cNvSpPr>
+          <p:nvPr>
+            <p:ph type="title"/>
+          </p:nvPr>
+        </p:nvSpPr>
+        <p:spPr/>
+        <p:txBody>
+          <a:bodyPr/>
+          <a:lstStyle/>
+          <a:p>
+            <a:r>
+              <a:rPr lang="en-ZA" dirty="0"/>
+              <a:t>Risk Analysis</a:t>
+            </a:r>
+          </a:p>
+        </p:txBody>
+      </p:sp>
+      <p:pic>
+        <p:nvPicPr>
+          <p:cNvPr id="6" name="Content Placeholder 5">
+            <a:extLst>
+              <a:ext uri="{FF2B5EF4-FFF2-40B4-BE49-F238E27FC236}">
+                <a16:creationId xmlns:a16="http://schemas.microsoft.com/office/drawing/2014/main" id="{D652C2EB-23FF-7323-1A1B-A86D618EB046}"/>
+              </a:ext>
+            </a:extLst>
+          </p:cNvPr>
+          <p:cNvPicPr>
+            <a:picLocks noGrp="1" noChangeAspect="1"/>
+          </p:cNvPicPr>
+          <p:nvPr>
+            <p:ph sz="half" idx="1"/>
+          </p:nvPr>
+        </p:nvPicPr>
+        <p:blipFill>
+          <a:blip r:embed="rId2"/>
+          <a:stretch>
+            <a:fillRect/>
+          </a:stretch>
+        </p:blipFill>
+        <p:spPr>
+          <a:xfrm>
+            <a:off x="1611086" y="2131494"/>
+            <a:ext cx="3073902" cy="3451841"/>
+          </a:xfrm>
+          <a:prstGeom prst="rect">
+            <a:avLst/>
+          </a:prstGeom>
+        </p:spPr>
+      </p:pic>
+      <p:pic>
+        <p:nvPicPr>
+          <p:cNvPr id="8" name="Content Placeholder 7">
+            <a:extLst>
+              <a:ext uri="{FF2B5EF4-FFF2-40B4-BE49-F238E27FC236}">
+                <a16:creationId xmlns:a16="http://schemas.microsoft.com/office/drawing/2014/main" id="{F51A0411-5D2D-9956-ECB4-60B99546FDBF}"/>
+              </a:ext>
+            </a:extLst>
+          </p:cNvPr>
+          <p:cNvPicPr>
+            <a:picLocks noGrp="1" noChangeAspect="1"/>
+          </p:cNvPicPr>
+          <p:nvPr>
+            <p:ph sz="half" idx="2"/>
+          </p:nvPr>
+        </p:nvPicPr>
+        <p:blipFill>
+          <a:blip r:embed="rId3"/>
+          <a:stretch>
+            <a:fillRect/>
+          </a:stretch>
+        </p:blipFill>
+        <p:spPr>
+          <a:xfrm>
+            <a:off x="6238534" y="2066675"/>
+            <a:ext cx="4896533" cy="3581900"/>
+          </a:xfrm>
+          <a:prstGeom prst="rect">
+            <a:avLst/>
+          </a:prstGeom>
+        </p:spPr>
+      </p:pic>
+    </p:spTree>
+    <p:extLst>
+      <p:ext uri="{BB962C8B-B14F-4D97-AF65-F5344CB8AC3E}">
+        <p14:creationId xmlns:p14="http://schemas.microsoft.com/office/powerpoint/2010/main" val="1418106113"/>
+      </p:ext>
+    </p:extLst>
+  </p:cSld>
+  <p:clrMapOvr>
+    <a:masterClrMapping/>
+  </p:clrMapOvr>
+</p:sld>
+</file>
+
+<file path=ppt/slides/slide16.xml><?xml version="1.0" encoding="utf-8"?>
+<p:sld xmlns:a="http://schemas.openxmlformats.org/drawingml/2006/main" xmlns:r="http://schemas.openxmlformats.org/officeDocument/2006/relationships" xmlns:p="http://schemas.openxmlformats.org/presentationml/2006/main">
+  <p:cSld>
+    <p:spTree>
+      <p:nvGrpSpPr>
+        <p:cNvPr id="1" name=""/>
+        <p:cNvGrpSpPr/>
+        <p:nvPr/>
+      </p:nvGrpSpPr>
+      <p:grpSpPr>
+        <a:xfrm>
+          <a:off x="0" y="0"/>
+          <a:ext cx="0" cy="0"/>
+          <a:chOff x="0" y="0"/>
+          <a:chExt cx="0" cy="0"/>
+        </a:xfrm>
+      </p:grpSpPr>
+      <p:sp>
+        <p:nvSpPr>
+          <p:cNvPr id="2" name="Title 1">
+            <a:extLst>
+              <a:ext uri="{FF2B5EF4-FFF2-40B4-BE49-F238E27FC236}">
+                <a16:creationId xmlns:a16="http://schemas.microsoft.com/office/drawing/2014/main" id="{F78B5930-169F-A6FE-0815-0BBE91A7CD15}"/>
+              </a:ext>
+            </a:extLst>
+          </p:cNvPr>
+          <p:cNvSpPr>
+            <a:spLocks noGrp="1"/>
+          </p:cNvSpPr>
+          <p:nvPr>
+            <p:ph type="title"/>
+          </p:nvPr>
+        </p:nvSpPr>
+        <p:spPr/>
+        <p:txBody>
+          <a:bodyPr/>
+          <a:lstStyle/>
+          <a:p>
+            <a:r>
+              <a:rPr lang="en-ZA" dirty="0"/>
+              <a:t>Beta analysis</a:t>
+            </a:r>
+          </a:p>
+        </p:txBody>
+      </p:sp>
+      <p:pic>
+        <p:nvPicPr>
+          <p:cNvPr id="6" name="Content Placeholder 5">
+            <a:extLst>
+              <a:ext uri="{FF2B5EF4-FFF2-40B4-BE49-F238E27FC236}">
+                <a16:creationId xmlns:a16="http://schemas.microsoft.com/office/drawing/2014/main" id="{698B3927-15EA-AB8D-A3BC-18C15C8A7520}"/>
+              </a:ext>
+            </a:extLst>
+          </p:cNvPr>
+          <p:cNvPicPr>
+            <a:picLocks noGrp="1" noChangeAspect="1"/>
+          </p:cNvPicPr>
+          <p:nvPr>
+            <p:ph sz="half" idx="1"/>
+          </p:nvPr>
+        </p:nvPicPr>
+        <p:blipFill>
+          <a:blip r:embed="rId2"/>
+          <a:stretch>
+            <a:fillRect/>
+          </a:stretch>
+        </p:blipFill>
+        <p:spPr>
+          <a:xfrm>
+            <a:off x="1132342" y="2166702"/>
+            <a:ext cx="4867954" cy="3381847"/>
+          </a:xfrm>
+          <a:prstGeom prst="rect">
+            <a:avLst/>
+          </a:prstGeom>
+        </p:spPr>
+      </p:pic>
+      <p:pic>
+        <p:nvPicPr>
+          <p:cNvPr id="8" name="Content Placeholder 7">
+            <a:extLst>
+              <a:ext uri="{FF2B5EF4-FFF2-40B4-BE49-F238E27FC236}">
+                <a16:creationId xmlns:a16="http://schemas.microsoft.com/office/drawing/2014/main" id="{06422799-47D6-0A1B-5FC1-3FA221523E03}"/>
+              </a:ext>
+            </a:extLst>
+          </p:cNvPr>
+          <p:cNvPicPr>
+            <a:picLocks noGrp="1" noChangeAspect="1"/>
+          </p:cNvPicPr>
+          <p:nvPr>
+            <p:ph sz="half" idx="2"/>
+          </p:nvPr>
+        </p:nvPicPr>
+        <p:blipFill>
+          <a:blip r:embed="rId3"/>
+          <a:stretch>
+            <a:fillRect/>
+          </a:stretch>
+        </p:blipFill>
+        <p:spPr>
+          <a:xfrm>
+            <a:off x="6218238" y="2027163"/>
+            <a:ext cx="4937125" cy="3660924"/>
+          </a:xfrm>
+          <a:prstGeom prst="rect">
+            <a:avLst/>
+          </a:prstGeom>
+        </p:spPr>
+      </p:pic>
+    </p:spTree>
+    <p:extLst>
+      <p:ext uri="{BB962C8B-B14F-4D97-AF65-F5344CB8AC3E}">
+        <p14:creationId xmlns:p14="http://schemas.microsoft.com/office/powerpoint/2010/main" val="1615738864"/>
+      </p:ext>
+    </p:extLst>
+  </p:cSld>
+  <p:clrMapOvr>
+    <a:masterClrMapping/>
+  </p:clrMapOvr>
+</p:sld>
+</file>
+
+<file path=ppt/slides/slide17.xml><?xml version="1.0" encoding="utf-8"?>
+<p:sld xmlns:a="http://schemas.openxmlformats.org/drawingml/2006/main" xmlns:r="http://schemas.openxmlformats.org/officeDocument/2006/relationships" xmlns:p="http://schemas.openxmlformats.org/presentationml/2006/main">
+  <p:cSld>
+    <p:spTree>
+      <p:nvGrpSpPr>
+        <p:cNvPr id="1" name=""/>
+        <p:cNvGrpSpPr/>
+        <p:nvPr/>
+      </p:nvGrpSpPr>
+      <p:grpSpPr>
+        <a:xfrm>
+          <a:off x="0" y="0"/>
+          <a:ext cx="0" cy="0"/>
+          <a:chOff x="0" y="0"/>
+          <a:chExt cx="0" cy="0"/>
+        </a:xfrm>
+      </p:grpSpPr>
+      <p:sp>
+        <p:nvSpPr>
+          <p:cNvPr id="2" name="Title 1">
+            <a:extLst>
+              <a:ext uri="{FF2B5EF4-FFF2-40B4-BE49-F238E27FC236}">
+                <a16:creationId xmlns:a16="http://schemas.microsoft.com/office/drawing/2014/main" id="{21D3B780-BFB6-DEDD-8214-E407AC709647}"/>
+              </a:ext>
+            </a:extLst>
+          </p:cNvPr>
+          <p:cNvSpPr>
+            <a:spLocks noGrp="1"/>
+          </p:cNvSpPr>
+          <p:nvPr>
+            <p:ph type="title"/>
+          </p:nvPr>
+        </p:nvSpPr>
+        <p:spPr/>
+        <p:txBody>
+          <a:bodyPr/>
+          <a:lstStyle/>
+          <a:p>
+            <a:r>
+              <a:rPr lang="en-ZA" dirty="0"/>
+              <a:t>Risk attribution</a:t>
+            </a:r>
+          </a:p>
+        </p:txBody>
+      </p:sp>
+      <p:pic>
+        <p:nvPicPr>
+          <p:cNvPr id="6" name="Content Placeholder 5">
+            <a:extLst>
+              <a:ext uri="{FF2B5EF4-FFF2-40B4-BE49-F238E27FC236}">
+                <a16:creationId xmlns:a16="http://schemas.microsoft.com/office/drawing/2014/main" id="{AD804ED7-7377-360C-118F-B2A469905F06}"/>
+              </a:ext>
+            </a:extLst>
+          </p:cNvPr>
+          <p:cNvPicPr>
+            <a:picLocks noGrp="1" noChangeAspect="1"/>
+          </p:cNvPicPr>
+          <p:nvPr>
+            <p:ph sz="half" idx="1"/>
+          </p:nvPr>
+        </p:nvPicPr>
+        <p:blipFill>
+          <a:blip r:embed="rId2"/>
+          <a:stretch>
+            <a:fillRect/>
+          </a:stretch>
+        </p:blipFill>
+        <p:spPr>
+          <a:xfrm>
+            <a:off x="1096963" y="2193221"/>
+            <a:ext cx="4938712" cy="3328809"/>
+          </a:xfrm>
+          <a:prstGeom prst="rect">
+            <a:avLst/>
+          </a:prstGeom>
+        </p:spPr>
+      </p:pic>
+      <p:pic>
+        <p:nvPicPr>
+          <p:cNvPr id="8" name="Content Placeholder 7">
+            <a:extLst>
+              <a:ext uri="{FF2B5EF4-FFF2-40B4-BE49-F238E27FC236}">
+                <a16:creationId xmlns:a16="http://schemas.microsoft.com/office/drawing/2014/main" id="{21511862-2103-F16A-FD28-62469B70E6B6}"/>
+              </a:ext>
+            </a:extLst>
+          </p:cNvPr>
+          <p:cNvPicPr>
+            <a:picLocks noGrp="1" noChangeAspect="1"/>
+          </p:cNvPicPr>
+          <p:nvPr>
+            <p:ph sz="half" idx="2"/>
+          </p:nvPr>
+        </p:nvPicPr>
+        <p:blipFill>
+          <a:blip r:embed="rId3"/>
+          <a:stretch>
+            <a:fillRect/>
+          </a:stretch>
+        </p:blipFill>
+        <p:spPr>
+          <a:xfrm>
+            <a:off x="6218238" y="2167737"/>
+            <a:ext cx="4937125" cy="3379776"/>
+          </a:xfrm>
+          <a:prstGeom prst="rect">
+            <a:avLst/>
+          </a:prstGeom>
+        </p:spPr>
+      </p:pic>
+    </p:spTree>
+    <p:extLst>
+      <p:ext uri="{BB962C8B-B14F-4D97-AF65-F5344CB8AC3E}">
+        <p14:creationId xmlns:p14="http://schemas.microsoft.com/office/powerpoint/2010/main" val="2749788119"/>
+      </p:ext>
+    </p:extLst>
+  </p:cSld>
+  <p:clrMapOvr>
+    <a:masterClrMapping/>
+  </p:clrMapOvr>
+</p:sld>
+</file>
+
+<file path=ppt/slides/slide18.xml><?xml version="1.0" encoding="utf-8"?>
+<p:sld xmlns:a="http://schemas.openxmlformats.org/drawingml/2006/main" xmlns:r="http://schemas.openxmlformats.org/officeDocument/2006/relationships" xmlns:p="http://schemas.openxmlformats.org/presentationml/2006/main">
+  <p:cSld>
+    <p:spTree>
+      <p:nvGrpSpPr>
+        <p:cNvPr id="1" name=""/>
+        <p:cNvGrpSpPr/>
+        <p:nvPr/>
+      </p:nvGrpSpPr>
+      <p:grpSpPr>
+        <a:xfrm>
+          <a:off x="0" y="0"/>
+          <a:ext cx="0" cy="0"/>
+          <a:chOff x="0" y="0"/>
+          <a:chExt cx="0" cy="0"/>
+        </a:xfrm>
+      </p:grpSpPr>
+      <p:sp>
+        <p:nvSpPr>
+          <p:cNvPr id="2" name="Title 1">
+            <a:extLst>
+              <a:ext uri="{FF2B5EF4-FFF2-40B4-BE49-F238E27FC236}">
+                <a16:creationId xmlns:a16="http://schemas.microsoft.com/office/drawing/2014/main" id="{21E4C19E-2C57-3861-1F17-BD9B35E2C508}"/>
+              </a:ext>
+            </a:extLst>
+          </p:cNvPr>
+          <p:cNvSpPr>
+            <a:spLocks noGrp="1"/>
+          </p:cNvSpPr>
+          <p:nvPr>
+            <p:ph type="title"/>
+          </p:nvPr>
+        </p:nvSpPr>
+        <p:spPr/>
+        <p:txBody>
+          <a:bodyPr/>
+          <a:lstStyle/>
+          <a:p>
+            <a:r>
+              <a:rPr lang="en-ZA" dirty="0"/>
+              <a:t>ESG analysis</a:t>
+            </a:r>
+          </a:p>
+        </p:txBody>
+      </p:sp>
+      <p:pic>
+        <p:nvPicPr>
+          <p:cNvPr id="6" name="Content Placeholder 5">
+            <a:extLst>
+              <a:ext uri="{FF2B5EF4-FFF2-40B4-BE49-F238E27FC236}">
+                <a16:creationId xmlns:a16="http://schemas.microsoft.com/office/drawing/2014/main" id="{A775A8FB-E546-4816-E052-227ABDE8444A}"/>
+              </a:ext>
+            </a:extLst>
+          </p:cNvPr>
+          <p:cNvPicPr>
+            <a:picLocks noGrp="1" noChangeAspect="1"/>
+          </p:cNvPicPr>
+          <p:nvPr>
+            <p:ph sz="half" idx="1"/>
+          </p:nvPr>
+        </p:nvPicPr>
+        <p:blipFill>
+          <a:blip r:embed="rId2"/>
+          <a:stretch>
+            <a:fillRect/>
+          </a:stretch>
+        </p:blipFill>
+        <p:spPr>
+          <a:xfrm>
+            <a:off x="1096963" y="2122915"/>
+            <a:ext cx="4938712" cy="3469421"/>
+          </a:xfrm>
+          <a:prstGeom prst="rect">
+            <a:avLst/>
+          </a:prstGeom>
+        </p:spPr>
+      </p:pic>
+      <p:pic>
+        <p:nvPicPr>
+          <p:cNvPr id="8" name="Content Placeholder 7">
+            <a:extLst>
+              <a:ext uri="{FF2B5EF4-FFF2-40B4-BE49-F238E27FC236}">
+                <a16:creationId xmlns:a16="http://schemas.microsoft.com/office/drawing/2014/main" id="{D6BC9E68-1067-A6D3-48EF-B957789BBE01}"/>
+              </a:ext>
+            </a:extLst>
+          </p:cNvPr>
+          <p:cNvPicPr>
+            <a:picLocks noGrp="1" noChangeAspect="1"/>
+          </p:cNvPicPr>
+          <p:nvPr>
+            <p:ph sz="half" idx="2"/>
+          </p:nvPr>
+        </p:nvPicPr>
+        <p:blipFill>
+          <a:blip r:embed="rId3"/>
+          <a:stretch>
+            <a:fillRect/>
+          </a:stretch>
+        </p:blipFill>
+        <p:spPr>
+          <a:xfrm>
+            <a:off x="6218238" y="2191345"/>
+            <a:ext cx="4937125" cy="3332560"/>
+          </a:xfrm>
+          <a:prstGeom prst="rect">
+            <a:avLst/>
+          </a:prstGeom>
+        </p:spPr>
+      </p:pic>
+    </p:spTree>
+    <p:extLst>
+      <p:ext uri="{BB962C8B-B14F-4D97-AF65-F5344CB8AC3E}">
+        <p14:creationId xmlns:p14="http://schemas.microsoft.com/office/powerpoint/2010/main" val="1775544986"/>
+      </p:ext>
+    </p:extLst>
+  </p:cSld>
+  <p:clrMapOvr>
+    <a:masterClrMapping/>
+  </p:clrMapOvr>
+</p:sld>
+</file>
+
+<file path=ppt/slides/slide19.xml><?xml version="1.0" encoding="utf-8"?>
+<p:sld xmlns:a="http://schemas.openxmlformats.org/drawingml/2006/main" xmlns:r="http://schemas.openxmlformats.org/officeDocument/2006/relationships" xmlns:p="http://schemas.openxmlformats.org/presentationml/2006/main">
+  <p:cSld>
+    <p:spTree>
+      <p:nvGrpSpPr>
+        <p:cNvPr id="1" name=""/>
+        <p:cNvGrpSpPr/>
+        <p:nvPr/>
+      </p:nvGrpSpPr>
+      <p:grpSpPr>
+        <a:xfrm>
+          <a:off x="0" y="0"/>
+          <a:ext cx="0" cy="0"/>
+          <a:chOff x="0" y="0"/>
+          <a:chExt cx="0" cy="0"/>
+        </a:xfrm>
+      </p:grpSpPr>
+      <p:pic>
+        <p:nvPicPr>
+          <p:cNvPr id="6" name="Content Placeholder 5">
+            <a:extLst>
+              <a:ext uri="{FF2B5EF4-FFF2-40B4-BE49-F238E27FC236}">
+                <a16:creationId xmlns:a16="http://schemas.microsoft.com/office/drawing/2014/main" id="{15E4A0E2-90C6-D7EE-A3C7-6C20177908D3}"/>
+              </a:ext>
+            </a:extLst>
+          </p:cNvPr>
+          <p:cNvPicPr>
+            <a:picLocks noGrp="1" noChangeAspect="1"/>
+          </p:cNvPicPr>
+          <p:nvPr>
+            <p:ph idx="1"/>
+          </p:nvPr>
+        </p:nvPicPr>
+        <p:blipFill>
+          <a:blip r:embed="rId2"/>
+          <a:stretch>
+            <a:fillRect/>
+          </a:stretch>
+        </p:blipFill>
+        <p:spPr>
+          <a:xfrm>
+            <a:off x="5374902" y="1598367"/>
+            <a:ext cx="5344271" cy="3524742"/>
+          </a:xfrm>
+          <a:prstGeom prst="rect">
+            <a:avLst/>
+          </a:prstGeom>
+        </p:spPr>
+      </p:pic>
+      <p:sp>
+        <p:nvSpPr>
+          <p:cNvPr id="4" name="Text Placeholder 3">
+            <a:extLst>
+              <a:ext uri="{FF2B5EF4-FFF2-40B4-BE49-F238E27FC236}">
+                <a16:creationId xmlns:a16="http://schemas.microsoft.com/office/drawing/2014/main" id="{C75367EB-DF04-99FE-B9F3-6730A489023A}"/>
+              </a:ext>
+            </a:extLst>
+          </p:cNvPr>
+          <p:cNvSpPr>
+            <a:spLocks noGrp="1"/>
+          </p:cNvSpPr>
+          <p:nvPr>
+            <p:ph type="body" sz="half" idx="2"/>
+          </p:nvPr>
+        </p:nvSpPr>
+        <p:spPr>
+          <a:xfrm>
+            <a:off x="402771" y="1910661"/>
+            <a:ext cx="3200400" cy="3379124"/>
+          </a:xfrm>
+        </p:spPr>
+        <p:txBody>
+          <a:bodyPr/>
+          <a:lstStyle/>
+          <a:p>
+            <a:r>
+              <a:rPr lang="en-ZA" dirty="0"/>
+              <a:t>The portfolio is ESG cognisant with a focus on the environmental pillar of ESG. The overall ESG score decreased slightly over the period due to a slight decrease in weighted governance score. While the environmental pillar continued to improve over the period. </a:t>
+            </a:r>
+          </a:p>
+        </p:txBody>
+      </p:sp>
+    </p:spTree>
+    <p:extLst>
+      <p:ext uri="{BB962C8B-B14F-4D97-AF65-F5344CB8AC3E}">
+        <p14:creationId xmlns:p14="http://schemas.microsoft.com/office/powerpoint/2010/main" val="473029113"/>
       </p:ext>
     </p:extLst>
   </p:cSld>
@@ -4494,6 +6153,767 @@
   <p:clrMapOvr>
     <a:masterClrMapping/>
   </p:clrMapOvr>
+</p:sld>
+</file>
+
+<file path=ppt/slides/slide20.xml><?xml version="1.0" encoding="utf-8"?>
+<p:sld xmlns:a="http://schemas.openxmlformats.org/drawingml/2006/main" xmlns:r="http://schemas.openxmlformats.org/officeDocument/2006/relationships" xmlns:p="http://schemas.openxmlformats.org/presentationml/2006/main">
+  <p:cSld>
+    <p:spTree>
+      <p:nvGrpSpPr>
+        <p:cNvPr id="1" name=""/>
+        <p:cNvGrpSpPr/>
+        <p:nvPr/>
+      </p:nvGrpSpPr>
+      <p:grpSpPr>
+        <a:xfrm>
+          <a:off x="0" y="0"/>
+          <a:ext cx="0" cy="0"/>
+          <a:chOff x="0" y="0"/>
+          <a:chExt cx="0" cy="0"/>
+        </a:xfrm>
+      </p:grpSpPr>
+      <p:sp>
+        <p:nvSpPr>
+          <p:cNvPr id="2" name="Title 1">
+            <a:extLst>
+              <a:ext uri="{FF2B5EF4-FFF2-40B4-BE49-F238E27FC236}">
+                <a16:creationId xmlns:a16="http://schemas.microsoft.com/office/drawing/2014/main" id="{2DE00117-83DA-8129-065E-3D53C7BF71A7}"/>
+              </a:ext>
+            </a:extLst>
+          </p:cNvPr>
+          <p:cNvSpPr>
+            <a:spLocks noGrp="1"/>
+          </p:cNvSpPr>
+          <p:nvPr>
+            <p:ph type="title"/>
+          </p:nvPr>
+        </p:nvSpPr>
+        <p:spPr/>
+        <p:txBody>
+          <a:bodyPr/>
+          <a:lstStyle/>
+          <a:p>
+            <a:r>
+              <a:rPr lang="en-ZA" dirty="0"/>
+              <a:t>Closing remarks</a:t>
+            </a:r>
+          </a:p>
+        </p:txBody>
+      </p:sp>
+      <p:sp>
+        <p:nvSpPr>
+          <p:cNvPr id="3" name="Content Placeholder 2">
+            <a:extLst>
+              <a:ext uri="{FF2B5EF4-FFF2-40B4-BE49-F238E27FC236}">
+                <a16:creationId xmlns:a16="http://schemas.microsoft.com/office/drawing/2014/main" id="{22780387-9B23-3A49-D8AB-9E3BD83F6167}"/>
+              </a:ext>
+            </a:extLst>
+          </p:cNvPr>
+          <p:cNvSpPr>
+            <a:spLocks noGrp="1"/>
+          </p:cNvSpPr>
+          <p:nvPr>
+            <p:ph idx="1"/>
+          </p:nvPr>
+        </p:nvSpPr>
+        <p:spPr/>
+        <p:txBody>
+          <a:bodyPr/>
+          <a:lstStyle/>
+          <a:p>
+            <a:r>
+              <a:rPr lang="en-ZA" dirty="0"/>
+              <a:t>This is an actively managed equity portfolio with a global, and specifically emerging market, focus. It is clearly ESG-conscious, with particular emphasis on the environmental pillar of ESG.</a:t>
+            </a:r>
+          </a:p>
+          <a:p>
+            <a:r>
+              <a:rPr lang="en-ZA" dirty="0"/>
+              <a:t>The portfolio manager has successfully generated alpha relative to the benchmark and has also outperformed global equity indices that may be relevant for peer comparison. Its concentration in the Information Technology sector, particularly in Taiwan, has driven the majority of returns over the period.</a:t>
+            </a:r>
+          </a:p>
+          <a:p>
+            <a:endParaRPr lang="en-ZA" dirty="0"/>
+          </a:p>
+        </p:txBody>
+      </p:sp>
+    </p:spTree>
+    <p:extLst>
+      <p:ext uri="{BB962C8B-B14F-4D97-AF65-F5344CB8AC3E}">
+        <p14:creationId xmlns:p14="http://schemas.microsoft.com/office/powerpoint/2010/main" val="553981541"/>
+      </p:ext>
+    </p:extLst>
+  </p:cSld>
+  <p:clrMapOvr>
+    <a:masterClrMapping/>
+  </p:clrMapOvr>
+</p:sld>
+</file>
+
+<file path=ppt/slides/slide21.xml><?xml version="1.0" encoding="utf-8"?>
+<p:sld xmlns:a="http://schemas.openxmlformats.org/drawingml/2006/main" xmlns:r="http://schemas.openxmlformats.org/officeDocument/2006/relationships" xmlns:p="http://schemas.openxmlformats.org/presentationml/2006/main">
+  <p:cSld>
+    <p:bg>
+      <p:bgPr>
+        <a:solidFill>
+          <a:schemeClr val="bg1"/>
+        </a:solidFill>
+        <a:effectLst/>
+      </p:bgPr>
+    </p:bg>
+    <p:spTree>
+      <p:nvGrpSpPr>
+        <p:cNvPr id="1" name=""/>
+        <p:cNvGrpSpPr/>
+        <p:nvPr/>
+      </p:nvGrpSpPr>
+      <p:grpSpPr>
+        <a:xfrm>
+          <a:off x="0" y="0"/>
+          <a:ext cx="0" cy="0"/>
+          <a:chOff x="0" y="0"/>
+          <a:chExt cx="0" cy="0"/>
+        </a:xfrm>
+      </p:grpSpPr>
+      <p:sp>
+        <p:nvSpPr>
+          <p:cNvPr id="9" name="Rectangle 8">
+            <a:extLst>
+              <a:ext uri="{FF2B5EF4-FFF2-40B4-BE49-F238E27FC236}">
+                <a16:creationId xmlns:a16="http://schemas.microsoft.com/office/drawing/2014/main" id="{4E4490D0-3672-446A-AC12-B4830333BDDD}"/>
+              </a:ext>
+              <a:ext uri="{C183D7F6-B498-43B3-948B-1728B52AA6E4}">
+                <adec:decorative xmlns:adec="http://schemas.microsoft.com/office/drawing/2017/decorative" val="1"/>
+              </a:ext>
+            </a:extLst>
+          </p:cNvPr>
+          <p:cNvSpPr>
+            <a:spLocks noGrp="1" noRot="1" noChangeAspect="1" noMove="1" noResize="1" noEditPoints="1" noAdjustHandles="1" noChangeArrowheads="1" noChangeShapeType="1" noTextEdit="1"/>
+          </p:cNvSpPr>
+          <p:nvPr>
+            <p:extLst>
+              <p:ext uri="{386F3935-93C4-4BCD-93E2-E3B085C9AB24}">
+                <p16:designElem xmlns:p16="http://schemas.microsoft.com/office/powerpoint/2015/main" val="1"/>
+              </p:ext>
+            </p:extLst>
+          </p:nvPr>
+        </p:nvSpPr>
+        <p:spPr>
+          <a:xfrm>
+            <a:off x="3175" y="6400800"/>
+            <a:ext cx="12188825" cy="457200"/>
+          </a:xfrm>
+          <a:prstGeom prst="rect">
+            <a:avLst/>
+          </a:prstGeom>
+          <a:solidFill>
+            <a:schemeClr val="accent2"/>
+          </a:solidFill>
+          <a:ln>
+            <a:noFill/>
+          </a:ln>
+        </p:spPr>
+        <p:style>
+          <a:lnRef idx="2">
+            <a:schemeClr val="accent1">
+              <a:shade val="50000"/>
+            </a:schemeClr>
+          </a:lnRef>
+          <a:fillRef idx="1">
+            <a:schemeClr val="accent1"/>
+          </a:fillRef>
+          <a:effectRef idx="0">
+            <a:schemeClr val="accent1"/>
+          </a:effectRef>
+          <a:fontRef idx="minor">
+            <a:schemeClr val="lt1"/>
+          </a:fontRef>
+        </p:style>
+        <p:txBody>
+          <a:bodyPr/>
+          <a:lstStyle/>
+          <a:p>
+            <a:endParaRPr lang="en-ZA"/>
+          </a:p>
+        </p:txBody>
+      </p:sp>
+      <p:sp>
+        <p:nvSpPr>
+          <p:cNvPr id="11" name="Rectangle 10">
+            <a:extLst>
+              <a:ext uri="{FF2B5EF4-FFF2-40B4-BE49-F238E27FC236}">
+                <a16:creationId xmlns:a16="http://schemas.microsoft.com/office/drawing/2014/main" id="{39CB82C2-DF65-4EC1-8280-F201D50F570B}"/>
+              </a:ext>
+              <a:ext uri="{C183D7F6-B498-43B3-948B-1728B52AA6E4}">
+                <adec:decorative xmlns:adec="http://schemas.microsoft.com/office/drawing/2017/decorative" val="1"/>
+              </a:ext>
+            </a:extLst>
+          </p:cNvPr>
+          <p:cNvSpPr>
+            <a:spLocks noGrp="1" noRot="1" noChangeAspect="1" noMove="1" noResize="1" noEditPoints="1" noAdjustHandles="1" noChangeArrowheads="1" noChangeShapeType="1" noTextEdit="1"/>
+          </p:cNvSpPr>
+          <p:nvPr>
+            <p:extLst>
+              <p:ext uri="{386F3935-93C4-4BCD-93E2-E3B085C9AB24}">
+                <p16:designElem xmlns:p16="http://schemas.microsoft.com/office/powerpoint/2015/main" val="1"/>
+              </p:ext>
+            </p:extLst>
+          </p:nvPr>
+        </p:nvSpPr>
+        <p:spPr>
+          <a:xfrm>
+            <a:off x="15" y="6334316"/>
+            <a:ext cx="12188825" cy="64008"/>
+          </a:xfrm>
+          <a:prstGeom prst="rect">
+            <a:avLst/>
+          </a:prstGeom>
+          <a:solidFill>
+            <a:schemeClr val="accent1"/>
+          </a:solidFill>
+          <a:ln>
+            <a:noFill/>
+          </a:ln>
+        </p:spPr>
+        <p:style>
+          <a:lnRef idx="2">
+            <a:schemeClr val="accent1">
+              <a:shade val="50000"/>
+            </a:schemeClr>
+          </a:lnRef>
+          <a:fillRef idx="1">
+            <a:schemeClr val="accent1"/>
+          </a:fillRef>
+          <a:effectRef idx="0">
+            <a:schemeClr val="accent1"/>
+          </a:effectRef>
+          <a:fontRef idx="minor">
+            <a:schemeClr val="lt1"/>
+          </a:fontRef>
+        </p:style>
+        <p:txBody>
+          <a:bodyPr/>
+          <a:lstStyle/>
+          <a:p>
+            <a:endParaRPr lang="en-ZA"/>
+          </a:p>
+        </p:txBody>
+      </p:sp>
+      <p:cxnSp>
+        <p:nvCxnSpPr>
+          <p:cNvPr id="13" name="Straight Connector 12">
+            <a:extLst>
+              <a:ext uri="{FF2B5EF4-FFF2-40B4-BE49-F238E27FC236}">
+                <a16:creationId xmlns:a16="http://schemas.microsoft.com/office/drawing/2014/main" id="{7E1D4427-852B-4B37-8E76-0E9F1810BA2A}"/>
+              </a:ext>
+              <a:ext uri="{C183D7F6-B498-43B3-948B-1728B52AA6E4}">
+                <adec:decorative xmlns:adec="http://schemas.microsoft.com/office/drawing/2017/decorative" val="1"/>
+              </a:ext>
+            </a:extLst>
+          </p:cNvPr>
+          <p:cNvCxnSpPr>
+            <a:cxnSpLocks noGrp="1" noRot="1" noChangeAspect="1" noMove="1" noResize="1" noEditPoints="1" noAdjustHandles="1" noChangeArrowheads="1" noChangeShapeType="1"/>
+          </p:cNvCxnSpPr>
+          <p:nvPr>
+            <p:extLst>
+              <p:ext uri="{386F3935-93C4-4BCD-93E2-E3B085C9AB24}">
+                <p16:designElem xmlns:p16="http://schemas.microsoft.com/office/powerpoint/2015/main" val="1"/>
+              </p:ext>
+            </p:extLst>
+          </p:nvPr>
+        </p:nvCxnSpPr>
+        <p:spPr>
+          <a:xfrm>
+            <a:off x="1207658" y="4343400"/>
+            <a:ext cx="9875520" cy="0"/>
+          </a:xfrm>
+          <a:prstGeom prst="line">
+            <a:avLst/>
+          </a:prstGeom>
+          <a:ln w="6350">
+            <a:solidFill>
+              <a:schemeClr val="tx1">
+                <a:lumMod val="50000"/>
+                <a:lumOff val="50000"/>
+              </a:schemeClr>
+            </a:solidFill>
+          </a:ln>
+        </p:spPr>
+        <p:style>
+          <a:lnRef idx="1">
+            <a:schemeClr val="accent1"/>
+          </a:lnRef>
+          <a:fillRef idx="0">
+            <a:schemeClr val="accent1"/>
+          </a:fillRef>
+          <a:effectRef idx="0">
+            <a:schemeClr val="accent1"/>
+          </a:effectRef>
+          <a:fontRef idx="minor">
+            <a:schemeClr val="tx1"/>
+          </a:fontRef>
+        </p:style>
+      </p:cxnSp>
+      <p:sp useBgFill="1">
+        <p:nvSpPr>
+          <p:cNvPr id="15" name="Rectangle 14">
+            <a:extLst>
+              <a:ext uri="{FF2B5EF4-FFF2-40B4-BE49-F238E27FC236}">
+                <a16:creationId xmlns:a16="http://schemas.microsoft.com/office/drawing/2014/main" id="{FA4CD5CB-D209-4D70-8CA4-629731C59219}"/>
+              </a:ext>
+              <a:ext uri="{C183D7F6-B498-43B3-948B-1728B52AA6E4}">
+                <adec:decorative xmlns:adec="http://schemas.microsoft.com/office/drawing/2017/decorative" val="1"/>
+              </a:ext>
+            </a:extLst>
+          </p:cNvPr>
+          <p:cNvSpPr>
+            <a:spLocks noGrp="1" noRot="1" noChangeAspect="1" noMove="1" noResize="1" noEditPoints="1" noAdjustHandles="1" noChangeArrowheads="1" noChangeShapeType="1" noTextEdit="1"/>
+          </p:cNvSpPr>
+          <p:nvPr>
+            <p:extLst>
+              <p:ext uri="{386F3935-93C4-4BCD-93E2-E3B085C9AB24}">
+                <p16:designElem xmlns:p16="http://schemas.microsoft.com/office/powerpoint/2015/main" val="1"/>
+              </p:ext>
+            </p:extLst>
+          </p:nvPr>
+        </p:nvSpPr>
+        <p:spPr>
+          <a:xfrm>
+            <a:off x="0" y="0"/>
+            <a:ext cx="12192001" cy="6334316"/>
+          </a:xfrm>
+          <a:prstGeom prst="rect">
+            <a:avLst/>
+          </a:prstGeom>
+          <a:ln>
+            <a:noFill/>
+          </a:ln>
+        </p:spPr>
+        <p:style>
+          <a:lnRef idx="2">
+            <a:schemeClr val="accent1">
+              <a:shade val="50000"/>
+            </a:schemeClr>
+          </a:lnRef>
+          <a:fillRef idx="1">
+            <a:schemeClr val="accent1"/>
+          </a:fillRef>
+          <a:effectRef idx="0">
+            <a:schemeClr val="accent1"/>
+          </a:effectRef>
+          <a:fontRef idx="minor">
+            <a:schemeClr val="lt1"/>
+          </a:fontRef>
+        </p:style>
+        <p:txBody>
+          <a:bodyPr rtlCol="0" anchor="ctr"/>
+          <a:lstStyle/>
+          <a:p>
+            <a:pPr algn="ctr"/>
+            <a:endParaRPr lang="en-US"/>
+          </a:p>
+        </p:txBody>
+      </p:sp>
+      <p:sp>
+        <p:nvSpPr>
+          <p:cNvPr id="2" name="Title 1">
+            <a:extLst>
+              <a:ext uri="{FF2B5EF4-FFF2-40B4-BE49-F238E27FC236}">
+                <a16:creationId xmlns:a16="http://schemas.microsoft.com/office/drawing/2014/main" id="{063D900A-2D9F-A800-4E62-D555FF515BEE}"/>
+              </a:ext>
+            </a:extLst>
+          </p:cNvPr>
+          <p:cNvSpPr>
+            <a:spLocks noGrp="1"/>
+          </p:cNvSpPr>
+          <p:nvPr>
+            <p:ph type="title"/>
+          </p:nvPr>
+        </p:nvSpPr>
+        <p:spPr>
+          <a:xfrm>
+            <a:off x="8141110" y="639097"/>
+            <a:ext cx="3401961" cy="3686015"/>
+          </a:xfrm>
+        </p:spPr>
+        <p:txBody>
+          <a:bodyPr vert="horz" lIns="91440" tIns="45720" rIns="91440" bIns="45720" rtlCol="0" anchor="b">
+            <a:normAutofit/>
+          </a:bodyPr>
+          <a:lstStyle/>
+          <a:p>
+            <a:r>
+              <a:rPr lang="en-US" sz="6600">
+                <a:solidFill>
+                  <a:schemeClr val="tx1">
+                    <a:lumMod val="85000"/>
+                    <a:lumOff val="15000"/>
+                  </a:schemeClr>
+                </a:solidFill>
+              </a:rPr>
+              <a:t>Thank you!</a:t>
+            </a:r>
+          </a:p>
+        </p:txBody>
+      </p:sp>
+      <p:pic>
+        <p:nvPicPr>
+          <p:cNvPr id="6" name="Graphic 5" descr="Handshake">
+            <a:extLst>
+              <a:ext uri="{FF2B5EF4-FFF2-40B4-BE49-F238E27FC236}">
+                <a16:creationId xmlns:a16="http://schemas.microsoft.com/office/drawing/2014/main" id="{1D33A46C-E739-EBA4-D912-8140B7BE6515}"/>
+              </a:ext>
+            </a:extLst>
+          </p:cNvPr>
+          <p:cNvPicPr>
+            <a:picLocks noChangeAspect="1"/>
+          </p:cNvPicPr>
+          <p:nvPr/>
+        </p:nvPicPr>
+        <p:blipFill>
+          <a:blip r:embed="rId2">
+            <a:extLst>
+              <a:ext uri="{28A0092B-C50C-407E-A947-70E740481C1C}">
+                <a14:useLocalDpi xmlns:a14="http://schemas.microsoft.com/office/drawing/2010/main" val="0"/>
+              </a:ext>
+              <a:ext uri="{96DAC541-7B7A-43D3-8B79-37D633B846F1}">
+                <asvg:svgBlip xmlns:asvg="http://schemas.microsoft.com/office/drawing/2016/SVG/main" r:embed="rId3"/>
+              </a:ext>
+            </a:extLst>
+          </a:blip>
+          <a:stretch>
+            <a:fillRect/>
+          </a:stretch>
+        </p:blipFill>
+        <p:spPr>
+          <a:xfrm>
+            <a:off x="1563029" y="640081"/>
+            <a:ext cx="5054156" cy="5054156"/>
+          </a:xfrm>
+          <a:prstGeom prst="rect">
+            <a:avLst/>
+          </a:prstGeom>
+        </p:spPr>
+      </p:pic>
+      <p:cxnSp>
+        <p:nvCxnSpPr>
+          <p:cNvPr id="17" name="Straight Connector 16">
+            <a:extLst>
+              <a:ext uri="{FF2B5EF4-FFF2-40B4-BE49-F238E27FC236}">
+                <a16:creationId xmlns:a16="http://schemas.microsoft.com/office/drawing/2014/main" id="{5C6A2BAE-B461-4B55-8E1F-0722ABDD1393}"/>
+              </a:ext>
+              <a:ext uri="{C183D7F6-B498-43B3-948B-1728B52AA6E4}">
+                <adec:decorative xmlns:adec="http://schemas.microsoft.com/office/drawing/2017/decorative" val="1"/>
+              </a:ext>
+            </a:extLst>
+          </p:cNvPr>
+          <p:cNvCxnSpPr>
+            <a:cxnSpLocks noGrp="1" noRot="1" noChangeAspect="1" noMove="1" noResize="1" noEditPoints="1" noAdjustHandles="1" noChangeArrowheads="1" noChangeShapeType="1"/>
+          </p:cNvCxnSpPr>
+          <p:nvPr>
+            <p:extLst>
+              <p:ext uri="{386F3935-93C4-4BCD-93E2-E3B085C9AB24}">
+                <p16:designElem xmlns:p16="http://schemas.microsoft.com/office/powerpoint/2015/main" val="1"/>
+              </p:ext>
+            </p:extLst>
+          </p:nvPr>
+        </p:nvCxnSpPr>
+        <p:spPr>
+          <a:xfrm>
+            <a:off x="8209305" y="4343400"/>
+            <a:ext cx="3200400" cy="0"/>
+          </a:xfrm>
+          <a:prstGeom prst="line">
+            <a:avLst/>
+          </a:prstGeom>
+          <a:ln w="6350">
+            <a:solidFill>
+              <a:schemeClr val="tx2">
+                <a:alpha val="90000"/>
+              </a:schemeClr>
+            </a:solidFill>
+          </a:ln>
+        </p:spPr>
+        <p:style>
+          <a:lnRef idx="1">
+            <a:schemeClr val="accent1"/>
+          </a:lnRef>
+          <a:fillRef idx="0">
+            <a:schemeClr val="accent1"/>
+          </a:fillRef>
+          <a:effectRef idx="0">
+            <a:schemeClr val="accent1"/>
+          </a:effectRef>
+          <a:fontRef idx="minor">
+            <a:schemeClr val="tx1"/>
+          </a:fontRef>
+        </p:style>
+      </p:cxnSp>
+      <p:sp>
+        <p:nvSpPr>
+          <p:cNvPr id="19" name="Rectangle 18">
+            <a:extLst>
+              <a:ext uri="{FF2B5EF4-FFF2-40B4-BE49-F238E27FC236}">
+                <a16:creationId xmlns:a16="http://schemas.microsoft.com/office/drawing/2014/main" id="{B4C27B90-DF2B-4D00-BA07-18ED774CD2F1}"/>
+              </a:ext>
+              <a:ext uri="{C183D7F6-B498-43B3-948B-1728B52AA6E4}">
+                <adec:decorative xmlns:adec="http://schemas.microsoft.com/office/drawing/2017/decorative" val="1"/>
+              </a:ext>
+            </a:extLst>
+          </p:cNvPr>
+          <p:cNvSpPr>
+            <a:spLocks noGrp="1" noRot="1" noChangeAspect="1" noMove="1" noResize="1" noEditPoints="1" noAdjustHandles="1" noChangeArrowheads="1" noChangeShapeType="1" noTextEdit="1"/>
+          </p:cNvSpPr>
+          <p:nvPr>
+            <p:extLst>
+              <p:ext uri="{386F3935-93C4-4BCD-93E2-E3B085C9AB24}">
+                <p16:designElem xmlns:p16="http://schemas.microsoft.com/office/powerpoint/2015/main" val="1"/>
+              </p:ext>
+            </p:extLst>
+          </p:nvPr>
+        </p:nvSpPr>
+        <p:spPr>
+          <a:xfrm>
+            <a:off x="15" y="6334316"/>
+            <a:ext cx="12191985" cy="66484"/>
+          </a:xfrm>
+          <a:prstGeom prst="rect">
+            <a:avLst/>
+          </a:prstGeom>
+          <a:solidFill>
+            <a:schemeClr val="accent1"/>
+          </a:solidFill>
+          <a:ln>
+            <a:noFill/>
+          </a:ln>
+        </p:spPr>
+        <p:style>
+          <a:lnRef idx="2">
+            <a:schemeClr val="accent1">
+              <a:shade val="50000"/>
+            </a:schemeClr>
+          </a:lnRef>
+          <a:fillRef idx="1">
+            <a:schemeClr val="accent1"/>
+          </a:fillRef>
+          <a:effectRef idx="0">
+            <a:schemeClr val="accent1"/>
+          </a:effectRef>
+          <a:fontRef idx="minor">
+            <a:schemeClr val="lt1"/>
+          </a:fontRef>
+        </p:style>
+        <p:txBody>
+          <a:bodyPr/>
+          <a:lstStyle/>
+          <a:p>
+            <a:endParaRPr lang="en-ZA"/>
+          </a:p>
+        </p:txBody>
+      </p:sp>
+      <p:sp>
+        <p:nvSpPr>
+          <p:cNvPr id="21" name="Rectangle 20">
+            <a:extLst>
+              <a:ext uri="{FF2B5EF4-FFF2-40B4-BE49-F238E27FC236}">
+                <a16:creationId xmlns:a16="http://schemas.microsoft.com/office/drawing/2014/main" id="{593ACC25-C262-417A-8AA9-0641C772BDB6}"/>
+              </a:ext>
+              <a:ext uri="{C183D7F6-B498-43B3-948B-1728B52AA6E4}">
+                <adec:decorative xmlns:adec="http://schemas.microsoft.com/office/drawing/2017/decorative" val="1"/>
+              </a:ext>
+            </a:extLst>
+          </p:cNvPr>
+          <p:cNvSpPr>
+            <a:spLocks noGrp="1" noRot="1" noChangeAspect="1" noMove="1" noResize="1" noEditPoints="1" noAdjustHandles="1" noChangeArrowheads="1" noChangeShapeType="1" noTextEdit="1"/>
+          </p:cNvSpPr>
+          <p:nvPr>
+            <p:extLst>
+              <p:ext uri="{386F3935-93C4-4BCD-93E2-E3B085C9AB24}">
+                <p16:designElem xmlns:p16="http://schemas.microsoft.com/office/powerpoint/2015/main" val="1"/>
+              </p:ext>
+            </p:extLst>
+          </p:nvPr>
+        </p:nvSpPr>
+        <p:spPr>
+          <a:xfrm>
+            <a:off x="1" y="6400800"/>
+            <a:ext cx="12192000" cy="457200"/>
+          </a:xfrm>
+          <a:prstGeom prst="rect">
+            <a:avLst/>
+          </a:prstGeom>
+          <a:solidFill>
+            <a:schemeClr val="accent2"/>
+          </a:solidFill>
+          <a:ln>
+            <a:noFill/>
+          </a:ln>
+        </p:spPr>
+        <p:style>
+          <a:lnRef idx="2">
+            <a:schemeClr val="accent1">
+              <a:shade val="50000"/>
+            </a:schemeClr>
+          </a:lnRef>
+          <a:fillRef idx="1">
+            <a:schemeClr val="accent1"/>
+          </a:fillRef>
+          <a:effectRef idx="0">
+            <a:schemeClr val="accent1"/>
+          </a:effectRef>
+          <a:fontRef idx="minor">
+            <a:schemeClr val="lt1"/>
+          </a:fontRef>
+        </p:style>
+        <p:txBody>
+          <a:bodyPr/>
+          <a:lstStyle/>
+          <a:p>
+            <a:endParaRPr lang="en-ZA"/>
+          </a:p>
+        </p:txBody>
+      </p:sp>
+    </p:spTree>
+    <p:extLst>
+      <p:ext uri="{BB962C8B-B14F-4D97-AF65-F5344CB8AC3E}">
+        <p14:creationId xmlns:p14="http://schemas.microsoft.com/office/powerpoint/2010/main" val="2777434147"/>
+      </p:ext>
+    </p:extLst>
+  </p:cSld>
+  <p:clrMapOvr>
+    <a:masterClrMapping/>
+  </p:clrMapOvr>
+  <p:timing>
+    <p:tnLst>
+      <p:par>
+        <p:cTn id="1" dur="indefinite" restart="never" nodeType="tmRoot">
+          <p:childTnLst>
+            <p:seq concurrent="1" nextAc="seek">
+              <p:cTn id="2" dur="indefinite" nodeType="mainSeq">
+                <p:childTnLst>
+                  <p:par>
+                    <p:cTn id="3" fill="hold">
+                      <p:stCondLst>
+                        <p:cond delay="indefinite"/>
+                        <p:cond evt="onBegin" delay="0">
+                          <p:tn val="2"/>
+                        </p:cond>
+                      </p:stCondLst>
+                      <p:childTnLst>
+                        <p:par>
+                          <p:cTn id="4" fill="hold">
+                            <p:stCondLst>
+                              <p:cond delay="0"/>
+                            </p:stCondLst>
+                            <p:childTnLst>
+                              <p:par>
+                                <p:cTn id="5" presetID="10" presetClass="entr" presetSubtype="0" fill="hold" grpId="0" nodeType="withEffect">
+                                  <p:stCondLst>
+                                    <p:cond delay="1000"/>
+                                  </p:stCondLst>
+                                  <p:iterate type="lt">
+                                    <p:tmPct val="10000"/>
+                                  </p:iterate>
+                                  <p:childTnLst>
+                                    <p:set>
+                                      <p:cBhvr>
+                                        <p:cTn id="6" dur="1" fill="hold">
+                                          <p:stCondLst>
+                                            <p:cond delay="0"/>
+                                          </p:stCondLst>
+                                        </p:cTn>
+                                        <p:tgtEl>
+                                          <p:spTgt spid="2"/>
+                                        </p:tgtEl>
+                                        <p:attrNameLst>
+                                          <p:attrName>style.visibility</p:attrName>
+                                        </p:attrNameLst>
+                                      </p:cBhvr>
+                                      <p:to>
+                                        <p:strVal val="visible"/>
+                                      </p:to>
+                                    </p:set>
+                                    <p:animEffect transition="in" filter="fade">
+                                      <p:cBhvr>
+                                        <p:cTn id="7" dur="400"/>
+                                        <p:tgtEl>
+                                          <p:spTgt spid="2"/>
+                                        </p:tgtEl>
+                                      </p:cBhvr>
+                                    </p:animEffect>
+                                  </p:childTnLst>
+                                </p:cTn>
+                              </p:par>
+                              <p:par>
+                                <p:cTn id="8" presetID="10" presetClass="entr" presetSubtype="0" fill="hold" nodeType="withEffect">
+                                  <p:stCondLst>
+                                    <p:cond delay="500"/>
+                                  </p:stCondLst>
+                                  <p:iterate>
+                                    <p:tmPct val="10000"/>
+                                  </p:iterate>
+                                  <p:childTnLst>
+                                    <p:set>
+                                      <p:cBhvr>
+                                        <p:cTn id="9" dur="1" fill="hold">
+                                          <p:stCondLst>
+                                            <p:cond delay="0"/>
+                                          </p:stCondLst>
+                                        </p:cTn>
+                                        <p:tgtEl>
+                                          <p:spTgt spid="6"/>
+                                        </p:tgtEl>
+                                        <p:attrNameLst>
+                                          <p:attrName>style.visibility</p:attrName>
+                                        </p:attrNameLst>
+                                      </p:cBhvr>
+                                      <p:to>
+                                        <p:strVal val="visible"/>
+                                      </p:to>
+                                    </p:set>
+                                    <p:animEffect transition="in" filter="fade">
+                                      <p:cBhvr>
+                                        <p:cTn id="10" dur="700"/>
+                                        <p:tgtEl>
+                                          <p:spTgt spid="6"/>
+                                        </p:tgtEl>
+                                      </p:cBhvr>
+                                    </p:animEffect>
+                                  </p:childTnLst>
+                                </p:cTn>
+                              </p:par>
+                            </p:childTnLst>
+                          </p:cTn>
+                        </p:par>
+                      </p:childTnLst>
+                    </p:cTn>
+                  </p:par>
+                </p:childTnLst>
+              </p:cTn>
+              <p:prevCondLst>
+                <p:cond evt="onPrev" delay="0">
+                  <p:tgtEl>
+                    <p:sldTgt/>
+                  </p:tgtEl>
+                </p:cond>
+              </p:prevCondLst>
+              <p:nextCondLst>
+                <p:cond evt="onNext" delay="0">
+                  <p:tgtEl>
+                    <p:sldTgt/>
+                  </p:tgtEl>
+                </p:cond>
+              </p:nextCondLst>
+            </p:seq>
+          </p:childTnLst>
+        </p:cTn>
+      </p:par>
+    </p:tnLst>
+    <p:bldLst>
+      <p:bldP spid="2" grpId="0"/>
+    </p:bldLst>
+  </p:timing>
 </p:sld>
 </file>
 
@@ -5259,10 +7679,10 @@
       </p:pic>
       <p:pic>
         <p:nvPicPr>
-          <p:cNvPr id="8" name="Content Placeholder 7">
+          <p:cNvPr id="10" name="Content Placeholder 9">
             <a:extLst>
               <a:ext uri="{FF2B5EF4-FFF2-40B4-BE49-F238E27FC236}">
-                <a16:creationId xmlns:a16="http://schemas.microsoft.com/office/drawing/2014/main" id="{69A47AAC-5676-793F-0C76-EC846EB3D4F9}"/>
+                <a16:creationId xmlns:a16="http://schemas.microsoft.com/office/drawing/2014/main" id="{2F441437-FBCA-8A31-10AC-F5657502C1AE}"/>
               </a:ext>
             </a:extLst>
           </p:cNvPr>
@@ -5281,8 +7701,8 @@
         </p:blipFill>
         <p:spPr>
           <a:xfrm>
-            <a:off x="6218238" y="1987250"/>
-            <a:ext cx="5599798" cy="3344917"/>
+            <a:off x="6294438" y="1852278"/>
+            <a:ext cx="5102984" cy="3782317"/>
           </a:xfrm>
           <a:prstGeom prst="rect">
             <a:avLst/>
@@ -5388,6 +7808,223 @@
     <p:extLst>
       <p:ext uri="{BB962C8B-B14F-4D97-AF65-F5344CB8AC3E}">
         <p14:creationId xmlns:p14="http://schemas.microsoft.com/office/powerpoint/2010/main" val="571138243"/>
+      </p:ext>
+    </p:extLst>
+  </p:cSld>
+  <p:clrMapOvr>
+    <a:masterClrMapping/>
+  </p:clrMapOvr>
+</p:sld>
+</file>
+
+<file path=ppt/slides/slide8.xml><?xml version="1.0" encoding="utf-8"?>
+<p:sld xmlns:a="http://schemas.openxmlformats.org/drawingml/2006/main" xmlns:r="http://schemas.openxmlformats.org/officeDocument/2006/relationships" xmlns:p="http://schemas.openxmlformats.org/presentationml/2006/main">
+  <p:cSld>
+    <p:spTree>
+      <p:nvGrpSpPr>
+        <p:cNvPr id="1" name=""/>
+        <p:cNvGrpSpPr/>
+        <p:nvPr/>
+      </p:nvGrpSpPr>
+      <p:grpSpPr>
+        <a:xfrm>
+          <a:off x="0" y="0"/>
+          <a:ext cx="0" cy="0"/>
+          <a:chOff x="0" y="0"/>
+          <a:chExt cx="0" cy="0"/>
+        </a:xfrm>
+      </p:grpSpPr>
+      <p:sp>
+        <p:nvSpPr>
+          <p:cNvPr id="2" name="Title 1">
+            <a:extLst>
+              <a:ext uri="{FF2B5EF4-FFF2-40B4-BE49-F238E27FC236}">
+                <a16:creationId xmlns:a16="http://schemas.microsoft.com/office/drawing/2014/main" id="{58B74D6A-5C77-90E8-5F4E-F68B6ECAA681}"/>
+              </a:ext>
+            </a:extLst>
+          </p:cNvPr>
+          <p:cNvSpPr>
+            <a:spLocks noGrp="1"/>
+          </p:cNvSpPr>
+          <p:nvPr>
+            <p:ph type="title"/>
+          </p:nvPr>
+        </p:nvSpPr>
+        <p:spPr/>
+        <p:txBody>
+          <a:bodyPr/>
+          <a:lstStyle/>
+          <a:p>
+            <a:r>
+              <a:rPr lang="en-ZA" dirty="0"/>
+              <a:t>Portfolio Return Analysis</a:t>
+            </a:r>
+          </a:p>
+        </p:txBody>
+      </p:sp>
+      <p:pic>
+        <p:nvPicPr>
+          <p:cNvPr id="6" name="Content Placeholder 5">
+            <a:extLst>
+              <a:ext uri="{FF2B5EF4-FFF2-40B4-BE49-F238E27FC236}">
+                <a16:creationId xmlns:a16="http://schemas.microsoft.com/office/drawing/2014/main" id="{00F47882-6A55-1F4A-240E-7049496967E6}"/>
+              </a:ext>
+            </a:extLst>
+          </p:cNvPr>
+          <p:cNvPicPr>
+            <a:picLocks noGrp="1" noChangeAspect="1"/>
+          </p:cNvPicPr>
+          <p:nvPr>
+            <p:ph sz="half" idx="1"/>
+          </p:nvPr>
+        </p:nvPicPr>
+        <p:blipFill>
+          <a:blip r:embed="rId2"/>
+          <a:stretch>
+            <a:fillRect/>
+          </a:stretch>
+        </p:blipFill>
+        <p:spPr>
+          <a:xfrm>
+            <a:off x="1096963" y="2221622"/>
+            <a:ext cx="4938712" cy="3272006"/>
+          </a:xfrm>
+          <a:prstGeom prst="rect">
+            <a:avLst/>
+          </a:prstGeom>
+        </p:spPr>
+      </p:pic>
+      <p:pic>
+        <p:nvPicPr>
+          <p:cNvPr id="8" name="Content Placeholder 7">
+            <a:extLst>
+              <a:ext uri="{FF2B5EF4-FFF2-40B4-BE49-F238E27FC236}">
+                <a16:creationId xmlns:a16="http://schemas.microsoft.com/office/drawing/2014/main" id="{C624AA0A-98D3-5D7B-34ED-0F0C043785EB}"/>
+              </a:ext>
+            </a:extLst>
+          </p:cNvPr>
+          <p:cNvPicPr>
+            <a:picLocks noGrp="1" noChangeAspect="1"/>
+          </p:cNvPicPr>
+          <p:nvPr>
+            <p:ph sz="half" idx="2"/>
+          </p:nvPr>
+        </p:nvPicPr>
+        <p:blipFill>
+          <a:blip r:embed="rId3"/>
+          <a:stretch>
+            <a:fillRect/>
+          </a:stretch>
+        </p:blipFill>
+        <p:spPr>
+          <a:xfrm>
+            <a:off x="6218238" y="2262091"/>
+            <a:ext cx="4937125" cy="3191068"/>
+          </a:xfrm>
+          <a:prstGeom prst="rect">
+            <a:avLst/>
+          </a:prstGeom>
+        </p:spPr>
+      </p:pic>
+    </p:spTree>
+    <p:extLst>
+      <p:ext uri="{BB962C8B-B14F-4D97-AF65-F5344CB8AC3E}">
+        <p14:creationId xmlns:p14="http://schemas.microsoft.com/office/powerpoint/2010/main" val="2548482477"/>
+      </p:ext>
+    </p:extLst>
+  </p:cSld>
+  <p:clrMapOvr>
+    <a:masterClrMapping/>
+  </p:clrMapOvr>
+</p:sld>
+</file>
+
+<file path=ppt/slides/slide9.xml><?xml version="1.0" encoding="utf-8"?>
+<p:sld xmlns:a="http://schemas.openxmlformats.org/drawingml/2006/main" xmlns:r="http://schemas.openxmlformats.org/officeDocument/2006/relationships" xmlns:p="http://schemas.openxmlformats.org/presentationml/2006/main">
+  <p:cSld>
+    <p:spTree>
+      <p:nvGrpSpPr>
+        <p:cNvPr id="1" name=""/>
+        <p:cNvGrpSpPr/>
+        <p:nvPr/>
+      </p:nvGrpSpPr>
+      <p:grpSpPr>
+        <a:xfrm>
+          <a:off x="0" y="0"/>
+          <a:ext cx="0" cy="0"/>
+          <a:chOff x="0" y="0"/>
+          <a:chExt cx="0" cy="0"/>
+        </a:xfrm>
+      </p:grpSpPr>
+      <p:pic>
+        <p:nvPicPr>
+          <p:cNvPr id="6" name="Content Placeholder 5">
+            <a:extLst>
+              <a:ext uri="{FF2B5EF4-FFF2-40B4-BE49-F238E27FC236}">
+                <a16:creationId xmlns:a16="http://schemas.microsoft.com/office/drawing/2014/main" id="{01C3FA43-2417-3CFF-4EB8-FBD1F19C52AF}"/>
+              </a:ext>
+            </a:extLst>
+          </p:cNvPr>
+          <p:cNvPicPr>
+            <a:picLocks noGrp="1" noChangeAspect="1"/>
+          </p:cNvPicPr>
+          <p:nvPr>
+            <p:ph idx="1"/>
+          </p:nvPr>
+        </p:nvPicPr>
+        <p:blipFill>
+          <a:blip r:embed="rId2"/>
+          <a:stretch>
+            <a:fillRect/>
+          </a:stretch>
+        </p:blipFill>
+        <p:spPr>
+          <a:xfrm>
+            <a:off x="5346323" y="1541209"/>
+            <a:ext cx="5401429" cy="3639058"/>
+          </a:xfrm>
+          <a:prstGeom prst="rect">
+            <a:avLst/>
+          </a:prstGeom>
+        </p:spPr>
+      </p:pic>
+      <p:sp>
+        <p:nvSpPr>
+          <p:cNvPr id="4" name="Text Placeholder 3">
+            <a:extLst>
+              <a:ext uri="{FF2B5EF4-FFF2-40B4-BE49-F238E27FC236}">
+                <a16:creationId xmlns:a16="http://schemas.microsoft.com/office/drawing/2014/main" id="{0C85C6CE-3B84-ACB6-EDD4-8099747B7AF2}"/>
+              </a:ext>
+            </a:extLst>
+          </p:cNvPr>
+          <p:cNvSpPr>
+            <a:spLocks noGrp="1"/>
+          </p:cNvSpPr>
+          <p:nvPr>
+            <p:ph type="body" sz="half" idx="2"/>
+          </p:nvPr>
+        </p:nvSpPr>
+        <p:spPr>
+          <a:xfrm>
+            <a:off x="511629" y="1541209"/>
+            <a:ext cx="3200400" cy="3379124"/>
+          </a:xfrm>
+        </p:spPr>
+        <p:txBody>
+          <a:bodyPr/>
+          <a:lstStyle/>
+          <a:p>
+            <a:r>
+              <a:rPr lang="en-ZA" dirty="0"/>
+              <a:t>The portfolio is an actively managed fund with active weights against its benchmark. Over the period of 29 Sep 2022 to 29 Mar 2023, the fund has managed to outperform its benchmark as well as the MSCI world, the MSCI emerging market index and the JSE All Share index. Showing impressive skill from the fund manager.</a:t>
+            </a:r>
+          </a:p>
+        </p:txBody>
+      </p:sp>
+    </p:spTree>
+    <p:extLst>
+      <p:ext uri="{BB962C8B-B14F-4D97-AF65-F5344CB8AC3E}">
+        <p14:creationId xmlns:p14="http://schemas.microsoft.com/office/powerpoint/2010/main" val="1380564717"/>
       </p:ext>
     </p:extLst>
   </p:cSld>
